--- a/lecture/0.pptx
+++ b/lecture/0.pptx
@@ -13,13 +13,13 @@
   <p:sldIdLst>
     <p:sldId id="266" r:id="rId2"/>
     <p:sldId id="801" r:id="rId3"/>
-    <p:sldId id="802" r:id="rId4"/>
-    <p:sldId id="804" r:id="rId5"/>
-    <p:sldId id="803" r:id="rId6"/>
-    <p:sldId id="795" r:id="rId7"/>
-    <p:sldId id="796" r:id="rId8"/>
-    <p:sldId id="799" r:id="rId9"/>
-    <p:sldId id="800" r:id="rId10"/>
+    <p:sldId id="805" r:id="rId4"/>
+    <p:sldId id="806" r:id="rId5"/>
+    <p:sldId id="807" r:id="rId6"/>
+    <p:sldId id="804" r:id="rId7"/>
+    <p:sldId id="808" r:id="rId8"/>
+    <p:sldId id="809" r:id="rId9"/>
+    <p:sldId id="796" r:id="rId10"/>
     <p:sldId id="754" r:id="rId11"/>
   </p:sldIdLst>
   <p:sldSz cx="9144000" cy="6858000" type="screen4x3"/>
@@ -1325,271 +1325,6 @@
       </p:grpSpPr>
       <p:sp>
         <p:nvSpPr>
-          <p:cNvPr id="97282" name="幻灯片图像占位符 1"/>
-          <p:cNvSpPr>
-            <a:spLocks noGrp="1" noRot="1" noChangeAspect="1" noTextEdit="1"/>
-          </p:cNvSpPr>
-          <p:nvPr>
-            <p:ph type="sldImg"/>
-          </p:nvPr>
-        </p:nvSpPr>
-        <p:spPr>
-          <a:xfrm>
-            <a:off x="917575" y="744538"/>
-            <a:ext cx="4962525" cy="3722687"/>
-          </a:xfrm>
-          <a:ln/>
-        </p:spPr>
-      </p:sp>
-      <p:sp>
-        <p:nvSpPr>
-          <p:cNvPr id="97283" name="备注占位符 2"/>
-          <p:cNvSpPr>
-            <a:spLocks noGrp="1"/>
-          </p:cNvSpPr>
-          <p:nvPr>
-            <p:ph type="body" idx="1"/>
-          </p:nvPr>
-        </p:nvSpPr>
-        <p:spPr>
-          <a:noFill/>
-          <a:ln/>
-          <a:extLst>
-            <a:ext uri="{909E8E84-426E-40DD-AFC4-6F175D3DCCD1}">
-              <a14:hiddenFill xmlns:a14="http://schemas.microsoft.com/office/drawing/2010/main">
-                <a:solidFill>
-                  <a:srgbClr val="FFFFFF"/>
-                </a:solidFill>
-              </a14:hiddenFill>
-            </a:ext>
-            <a:ext uri="{91240B29-F687-4F45-9708-019B960494DF}">
-              <a14:hiddenLine xmlns:a14="http://schemas.microsoft.com/office/drawing/2010/main" w="9525">
-                <a:solidFill>
-                  <a:srgbClr val="000000"/>
-                </a:solidFill>
-                <a:miter lim="800000"/>
-                <a:headEnd/>
-                <a:tailEnd/>
-              </a14:hiddenLine>
-            </a:ext>
-          </a:extLst>
-        </p:spPr>
-        <p:txBody>
-          <a:bodyPr/>
-          <a:lstStyle/>
-          <a:p>
-            <a:endParaRPr lang="zh-CN" altLang="en-US"/>
-          </a:p>
-        </p:txBody>
-      </p:sp>
-      <p:sp>
-        <p:nvSpPr>
-          <p:cNvPr id="97284" name="灯片编号占位符 3"/>
-          <p:cNvSpPr>
-            <a:spLocks noGrp="1"/>
-          </p:cNvSpPr>
-          <p:nvPr>
-            <p:ph type="sldNum" sz="quarter" idx="5"/>
-          </p:nvPr>
-        </p:nvSpPr>
-        <p:spPr>
-          <a:noFill/>
-          <a:ln/>
-          <a:extLst>
-            <a:ext uri="{909E8E84-426E-40DD-AFC4-6F175D3DCCD1}">
-              <a14:hiddenFill xmlns:a14="http://schemas.microsoft.com/office/drawing/2010/main">
-                <a:solidFill>
-                  <a:srgbClr val="FFFFFF"/>
-                </a:solidFill>
-              </a14:hiddenFill>
-            </a:ext>
-            <a:ext uri="{91240B29-F687-4F45-9708-019B960494DF}">
-              <a14:hiddenLine xmlns:a14="http://schemas.microsoft.com/office/drawing/2010/main" w="9525">
-                <a:solidFill>
-                  <a:srgbClr val="000000"/>
-                </a:solidFill>
-                <a:miter lim="800000"/>
-                <a:headEnd/>
-                <a:tailEnd/>
-              </a14:hiddenLine>
-            </a:ext>
-          </a:extLst>
-        </p:spPr>
-        <p:txBody>
-          <a:bodyPr/>
-          <a:lstStyle>
-            <a:lvl1pPr eaLnBrk="0" hangingPunct="0">
-              <a:spcBef>
-                <a:spcPct val="30000"/>
-              </a:spcBef>
-              <a:defRPr sz="1200">
-                <a:solidFill>
-                  <a:schemeClr val="tx1"/>
-                </a:solidFill>
-                <a:latin typeface="Times New Roman" pitchFamily="18" charset="0"/>
-                <a:ea typeface="宋体" pitchFamily="2" charset="-122"/>
-              </a:defRPr>
-            </a:lvl1pPr>
-            <a:lvl2pPr marL="742950" indent="-285750" eaLnBrk="0" hangingPunct="0">
-              <a:spcBef>
-                <a:spcPct val="30000"/>
-              </a:spcBef>
-              <a:defRPr sz="1200">
-                <a:solidFill>
-                  <a:schemeClr val="tx1"/>
-                </a:solidFill>
-                <a:latin typeface="Times New Roman" pitchFamily="18" charset="0"/>
-                <a:ea typeface="宋体" pitchFamily="2" charset="-122"/>
-              </a:defRPr>
-            </a:lvl2pPr>
-            <a:lvl3pPr marL="1143000" indent="-228600" eaLnBrk="0" hangingPunct="0">
-              <a:spcBef>
-                <a:spcPct val="30000"/>
-              </a:spcBef>
-              <a:defRPr sz="1200">
-                <a:solidFill>
-                  <a:schemeClr val="tx1"/>
-                </a:solidFill>
-                <a:latin typeface="Times New Roman" pitchFamily="18" charset="0"/>
-                <a:ea typeface="宋体" pitchFamily="2" charset="-122"/>
-              </a:defRPr>
-            </a:lvl3pPr>
-            <a:lvl4pPr marL="1600200" indent="-228600" eaLnBrk="0" hangingPunct="0">
-              <a:spcBef>
-                <a:spcPct val="30000"/>
-              </a:spcBef>
-              <a:defRPr sz="1200">
-                <a:solidFill>
-                  <a:schemeClr val="tx1"/>
-                </a:solidFill>
-                <a:latin typeface="Times New Roman" pitchFamily="18" charset="0"/>
-                <a:ea typeface="宋体" pitchFamily="2" charset="-122"/>
-              </a:defRPr>
-            </a:lvl4pPr>
-            <a:lvl5pPr marL="2057400" indent="-228600" eaLnBrk="0" hangingPunct="0">
-              <a:spcBef>
-                <a:spcPct val="30000"/>
-              </a:spcBef>
-              <a:defRPr sz="1200">
-                <a:solidFill>
-                  <a:schemeClr val="tx1"/>
-                </a:solidFill>
-                <a:latin typeface="Times New Roman" pitchFamily="18" charset="0"/>
-                <a:ea typeface="宋体" pitchFamily="2" charset="-122"/>
-              </a:defRPr>
-            </a:lvl5pPr>
-            <a:lvl6pPr marL="2514600" indent="-228600" eaLnBrk="0" fontAlgn="base" hangingPunct="0">
-              <a:spcBef>
-                <a:spcPct val="30000"/>
-              </a:spcBef>
-              <a:spcAft>
-                <a:spcPct val="0"/>
-              </a:spcAft>
-              <a:defRPr sz="1200">
-                <a:solidFill>
-                  <a:schemeClr val="tx1"/>
-                </a:solidFill>
-                <a:latin typeface="Times New Roman" pitchFamily="18" charset="0"/>
-                <a:ea typeface="宋体" pitchFamily="2" charset="-122"/>
-              </a:defRPr>
-            </a:lvl6pPr>
-            <a:lvl7pPr marL="2971800" indent="-228600" eaLnBrk="0" fontAlgn="base" hangingPunct="0">
-              <a:spcBef>
-                <a:spcPct val="30000"/>
-              </a:spcBef>
-              <a:spcAft>
-                <a:spcPct val="0"/>
-              </a:spcAft>
-              <a:defRPr sz="1200">
-                <a:solidFill>
-                  <a:schemeClr val="tx1"/>
-                </a:solidFill>
-                <a:latin typeface="Times New Roman" pitchFamily="18" charset="0"/>
-                <a:ea typeface="宋体" pitchFamily="2" charset="-122"/>
-              </a:defRPr>
-            </a:lvl7pPr>
-            <a:lvl8pPr marL="3429000" indent="-228600" eaLnBrk="0" fontAlgn="base" hangingPunct="0">
-              <a:spcBef>
-                <a:spcPct val="30000"/>
-              </a:spcBef>
-              <a:spcAft>
-                <a:spcPct val="0"/>
-              </a:spcAft>
-              <a:defRPr sz="1200">
-                <a:solidFill>
-                  <a:schemeClr val="tx1"/>
-                </a:solidFill>
-                <a:latin typeface="Times New Roman" pitchFamily="18" charset="0"/>
-                <a:ea typeface="宋体" pitchFamily="2" charset="-122"/>
-              </a:defRPr>
-            </a:lvl8pPr>
-            <a:lvl9pPr marL="3886200" indent="-228600" eaLnBrk="0" fontAlgn="base" hangingPunct="0">
-              <a:spcBef>
-                <a:spcPct val="30000"/>
-              </a:spcBef>
-              <a:spcAft>
-                <a:spcPct val="0"/>
-              </a:spcAft>
-              <a:defRPr sz="1200">
-                <a:solidFill>
-                  <a:schemeClr val="tx1"/>
-                </a:solidFill>
-                <a:latin typeface="Times New Roman" pitchFamily="18" charset="0"/>
-                <a:ea typeface="宋体" pitchFamily="2" charset="-122"/>
-              </a:defRPr>
-            </a:lvl9pPr>
-          </a:lstStyle>
-          <a:p>
-            <a:pPr eaLnBrk="1" hangingPunct="1">
-              <a:spcBef>
-                <a:spcPct val="0"/>
-              </a:spcBef>
-            </a:pPr>
-            <a:fld id="{55A7901F-A544-4509-8B4E-8DE9042C66E7}" type="slidenum">
-              <a:rPr lang="en-US" altLang="zh-CN" smtClean="0"/>
-              <a:pPr eaLnBrk="1" hangingPunct="1">
-                <a:spcBef>
-                  <a:spcPct val="0"/>
-                </a:spcBef>
-              </a:pPr>
-              <a:t>6</a:t>
-            </a:fld>
-            <a:endParaRPr lang="en-US" altLang="zh-CN"/>
-          </a:p>
-        </p:txBody>
-      </p:sp>
-    </p:spTree>
-    <p:extLst>
-      <p:ext uri="{BB962C8B-B14F-4D97-AF65-F5344CB8AC3E}">
-        <p14:creationId xmlns:p14="http://schemas.microsoft.com/office/powerpoint/2010/main" val="908546671"/>
-      </p:ext>
-    </p:extLst>
-  </p:cSld>
-  <p:clrMapOvr>
-    <a:masterClrMapping/>
-  </p:clrMapOvr>
-</p:notes>
-</file>
-
-<file path=ppt/notesSlides/notesSlide3.xml><?xml version="1.0" encoding="utf-8"?>
-<p:notes xmlns:a="http://schemas.openxmlformats.org/drawingml/2006/main" xmlns:r="http://schemas.openxmlformats.org/officeDocument/2006/relationships" xmlns:p="http://schemas.openxmlformats.org/presentationml/2006/main">
-  <p:cSld>
-    <p:spTree>
-      <p:nvGrpSpPr>
-        <p:cNvPr id="1" name=""/>
-        <p:cNvGrpSpPr/>
-        <p:nvPr/>
-      </p:nvGrpSpPr>
-      <p:grpSpPr>
-        <a:xfrm>
-          <a:off x="0" y="0"/>
-          <a:ext cx="0" cy="0"/>
-          <a:chOff x="0" y="0"/>
-          <a:chExt cx="0" cy="0"/>
-        </a:xfrm>
-      </p:grpSpPr>
-      <p:sp>
-        <p:nvSpPr>
           <p:cNvPr id="99330" name="幻灯片图像占位符 1"/>
           <p:cNvSpPr>
             <a:spLocks noGrp="1" noRot="1" noChangeAspect="1" noTextEdit="1"/>
@@ -1817,7 +1552,7 @@
                   <a:spcPct val="0"/>
                 </a:spcBef>
               </a:pPr>
-              <a:t>7</a:t>
+              <a:t>9</a:t>
             </a:fld>
             <a:endParaRPr lang="en-US" altLang="zh-CN"/>
           </a:p>
@@ -1827,536 +1562,6 @@
     <p:extLst>
       <p:ext uri="{BB962C8B-B14F-4D97-AF65-F5344CB8AC3E}">
         <p14:creationId xmlns:p14="http://schemas.microsoft.com/office/powerpoint/2010/main" val="31784221"/>
-      </p:ext>
-    </p:extLst>
-  </p:cSld>
-  <p:clrMapOvr>
-    <a:masterClrMapping/>
-  </p:clrMapOvr>
-</p:notes>
-</file>
-
-<file path=ppt/notesSlides/notesSlide4.xml><?xml version="1.0" encoding="utf-8"?>
-<p:notes xmlns:a="http://schemas.openxmlformats.org/drawingml/2006/main" xmlns:r="http://schemas.openxmlformats.org/officeDocument/2006/relationships" xmlns:p="http://schemas.openxmlformats.org/presentationml/2006/main">
-  <p:cSld>
-    <p:spTree>
-      <p:nvGrpSpPr>
-        <p:cNvPr id="1" name=""/>
-        <p:cNvGrpSpPr/>
-        <p:nvPr/>
-      </p:nvGrpSpPr>
-      <p:grpSpPr>
-        <a:xfrm>
-          <a:off x="0" y="0"/>
-          <a:ext cx="0" cy="0"/>
-          <a:chOff x="0" y="0"/>
-          <a:chExt cx="0" cy="0"/>
-        </a:xfrm>
-      </p:grpSpPr>
-      <p:sp>
-        <p:nvSpPr>
-          <p:cNvPr id="105474" name="幻灯片图像占位符 1"/>
-          <p:cNvSpPr>
-            <a:spLocks noGrp="1" noRot="1" noChangeAspect="1" noTextEdit="1"/>
-          </p:cNvSpPr>
-          <p:nvPr>
-            <p:ph type="sldImg"/>
-          </p:nvPr>
-        </p:nvSpPr>
-        <p:spPr>
-          <a:xfrm>
-            <a:off x="917575" y="744538"/>
-            <a:ext cx="4962525" cy="3722687"/>
-          </a:xfrm>
-          <a:ln/>
-        </p:spPr>
-      </p:sp>
-      <p:sp>
-        <p:nvSpPr>
-          <p:cNvPr id="105475" name="备注占位符 2"/>
-          <p:cNvSpPr>
-            <a:spLocks noGrp="1"/>
-          </p:cNvSpPr>
-          <p:nvPr>
-            <p:ph type="body" idx="1"/>
-          </p:nvPr>
-        </p:nvSpPr>
-        <p:spPr>
-          <a:noFill/>
-          <a:ln/>
-          <a:extLst>
-            <a:ext uri="{909E8E84-426E-40DD-AFC4-6F175D3DCCD1}">
-              <a14:hiddenFill xmlns:a14="http://schemas.microsoft.com/office/drawing/2010/main">
-                <a:solidFill>
-                  <a:srgbClr val="FFFFFF"/>
-                </a:solidFill>
-              </a14:hiddenFill>
-            </a:ext>
-            <a:ext uri="{91240B29-F687-4F45-9708-019B960494DF}">
-              <a14:hiddenLine xmlns:a14="http://schemas.microsoft.com/office/drawing/2010/main" w="9525">
-                <a:solidFill>
-                  <a:srgbClr val="000000"/>
-                </a:solidFill>
-                <a:miter lim="800000"/>
-                <a:headEnd/>
-                <a:tailEnd/>
-              </a14:hiddenLine>
-            </a:ext>
-          </a:extLst>
-        </p:spPr>
-        <p:txBody>
-          <a:bodyPr/>
-          <a:lstStyle/>
-          <a:p>
-            <a:endParaRPr lang="zh-CN" altLang="en-US"/>
-          </a:p>
-        </p:txBody>
-      </p:sp>
-      <p:sp>
-        <p:nvSpPr>
-          <p:cNvPr id="105476" name="灯片编号占位符 3"/>
-          <p:cNvSpPr>
-            <a:spLocks noGrp="1"/>
-          </p:cNvSpPr>
-          <p:nvPr>
-            <p:ph type="sldNum" sz="quarter" idx="5"/>
-          </p:nvPr>
-        </p:nvSpPr>
-        <p:spPr>
-          <a:noFill/>
-          <a:ln/>
-          <a:extLst>
-            <a:ext uri="{909E8E84-426E-40DD-AFC4-6F175D3DCCD1}">
-              <a14:hiddenFill xmlns:a14="http://schemas.microsoft.com/office/drawing/2010/main">
-                <a:solidFill>
-                  <a:srgbClr val="FFFFFF"/>
-                </a:solidFill>
-              </a14:hiddenFill>
-            </a:ext>
-            <a:ext uri="{91240B29-F687-4F45-9708-019B960494DF}">
-              <a14:hiddenLine xmlns:a14="http://schemas.microsoft.com/office/drawing/2010/main" w="9525">
-                <a:solidFill>
-                  <a:srgbClr val="000000"/>
-                </a:solidFill>
-                <a:miter lim="800000"/>
-                <a:headEnd/>
-                <a:tailEnd/>
-              </a14:hiddenLine>
-            </a:ext>
-          </a:extLst>
-        </p:spPr>
-        <p:txBody>
-          <a:bodyPr/>
-          <a:lstStyle>
-            <a:lvl1pPr eaLnBrk="0" hangingPunct="0">
-              <a:spcBef>
-                <a:spcPct val="30000"/>
-              </a:spcBef>
-              <a:defRPr sz="1200">
-                <a:solidFill>
-                  <a:schemeClr val="tx1"/>
-                </a:solidFill>
-                <a:latin typeface="Times New Roman" pitchFamily="18" charset="0"/>
-                <a:ea typeface="宋体" pitchFamily="2" charset="-122"/>
-              </a:defRPr>
-            </a:lvl1pPr>
-            <a:lvl2pPr marL="742950" indent="-285750" eaLnBrk="0" hangingPunct="0">
-              <a:spcBef>
-                <a:spcPct val="30000"/>
-              </a:spcBef>
-              <a:defRPr sz="1200">
-                <a:solidFill>
-                  <a:schemeClr val="tx1"/>
-                </a:solidFill>
-                <a:latin typeface="Times New Roman" pitchFamily="18" charset="0"/>
-                <a:ea typeface="宋体" pitchFamily="2" charset="-122"/>
-              </a:defRPr>
-            </a:lvl2pPr>
-            <a:lvl3pPr marL="1143000" indent="-228600" eaLnBrk="0" hangingPunct="0">
-              <a:spcBef>
-                <a:spcPct val="30000"/>
-              </a:spcBef>
-              <a:defRPr sz="1200">
-                <a:solidFill>
-                  <a:schemeClr val="tx1"/>
-                </a:solidFill>
-                <a:latin typeface="Times New Roman" pitchFamily="18" charset="0"/>
-                <a:ea typeface="宋体" pitchFamily="2" charset="-122"/>
-              </a:defRPr>
-            </a:lvl3pPr>
-            <a:lvl4pPr marL="1600200" indent="-228600" eaLnBrk="0" hangingPunct="0">
-              <a:spcBef>
-                <a:spcPct val="30000"/>
-              </a:spcBef>
-              <a:defRPr sz="1200">
-                <a:solidFill>
-                  <a:schemeClr val="tx1"/>
-                </a:solidFill>
-                <a:latin typeface="Times New Roman" pitchFamily="18" charset="0"/>
-                <a:ea typeface="宋体" pitchFamily="2" charset="-122"/>
-              </a:defRPr>
-            </a:lvl4pPr>
-            <a:lvl5pPr marL="2057400" indent="-228600" eaLnBrk="0" hangingPunct="0">
-              <a:spcBef>
-                <a:spcPct val="30000"/>
-              </a:spcBef>
-              <a:defRPr sz="1200">
-                <a:solidFill>
-                  <a:schemeClr val="tx1"/>
-                </a:solidFill>
-                <a:latin typeface="Times New Roman" pitchFamily="18" charset="0"/>
-                <a:ea typeface="宋体" pitchFamily="2" charset="-122"/>
-              </a:defRPr>
-            </a:lvl5pPr>
-            <a:lvl6pPr marL="2514600" indent="-228600" eaLnBrk="0" fontAlgn="base" hangingPunct="0">
-              <a:spcBef>
-                <a:spcPct val="30000"/>
-              </a:spcBef>
-              <a:spcAft>
-                <a:spcPct val="0"/>
-              </a:spcAft>
-              <a:defRPr sz="1200">
-                <a:solidFill>
-                  <a:schemeClr val="tx1"/>
-                </a:solidFill>
-                <a:latin typeface="Times New Roman" pitchFamily="18" charset="0"/>
-                <a:ea typeface="宋体" pitchFamily="2" charset="-122"/>
-              </a:defRPr>
-            </a:lvl6pPr>
-            <a:lvl7pPr marL="2971800" indent="-228600" eaLnBrk="0" fontAlgn="base" hangingPunct="0">
-              <a:spcBef>
-                <a:spcPct val="30000"/>
-              </a:spcBef>
-              <a:spcAft>
-                <a:spcPct val="0"/>
-              </a:spcAft>
-              <a:defRPr sz="1200">
-                <a:solidFill>
-                  <a:schemeClr val="tx1"/>
-                </a:solidFill>
-                <a:latin typeface="Times New Roman" pitchFamily="18" charset="0"/>
-                <a:ea typeface="宋体" pitchFamily="2" charset="-122"/>
-              </a:defRPr>
-            </a:lvl7pPr>
-            <a:lvl8pPr marL="3429000" indent="-228600" eaLnBrk="0" fontAlgn="base" hangingPunct="0">
-              <a:spcBef>
-                <a:spcPct val="30000"/>
-              </a:spcBef>
-              <a:spcAft>
-                <a:spcPct val="0"/>
-              </a:spcAft>
-              <a:defRPr sz="1200">
-                <a:solidFill>
-                  <a:schemeClr val="tx1"/>
-                </a:solidFill>
-                <a:latin typeface="Times New Roman" pitchFamily="18" charset="0"/>
-                <a:ea typeface="宋体" pitchFamily="2" charset="-122"/>
-              </a:defRPr>
-            </a:lvl8pPr>
-            <a:lvl9pPr marL="3886200" indent="-228600" eaLnBrk="0" fontAlgn="base" hangingPunct="0">
-              <a:spcBef>
-                <a:spcPct val="30000"/>
-              </a:spcBef>
-              <a:spcAft>
-                <a:spcPct val="0"/>
-              </a:spcAft>
-              <a:defRPr sz="1200">
-                <a:solidFill>
-                  <a:schemeClr val="tx1"/>
-                </a:solidFill>
-                <a:latin typeface="Times New Roman" pitchFamily="18" charset="0"/>
-                <a:ea typeface="宋体" pitchFamily="2" charset="-122"/>
-              </a:defRPr>
-            </a:lvl9pPr>
-          </a:lstStyle>
-          <a:p>
-            <a:pPr eaLnBrk="1" hangingPunct="1">
-              <a:spcBef>
-                <a:spcPct val="0"/>
-              </a:spcBef>
-            </a:pPr>
-            <a:fld id="{F07AA158-8D8D-4ADD-B003-59BCB861ED8D}" type="slidenum">
-              <a:rPr lang="en-US" altLang="zh-CN" smtClean="0"/>
-              <a:pPr eaLnBrk="1" hangingPunct="1">
-                <a:spcBef>
-                  <a:spcPct val="0"/>
-                </a:spcBef>
-              </a:pPr>
-              <a:t>8</a:t>
-            </a:fld>
-            <a:endParaRPr lang="en-US" altLang="zh-CN"/>
-          </a:p>
-        </p:txBody>
-      </p:sp>
-    </p:spTree>
-    <p:extLst>
-      <p:ext uri="{BB962C8B-B14F-4D97-AF65-F5344CB8AC3E}">
-        <p14:creationId xmlns:p14="http://schemas.microsoft.com/office/powerpoint/2010/main" val="3629781509"/>
-      </p:ext>
-    </p:extLst>
-  </p:cSld>
-  <p:clrMapOvr>
-    <a:masterClrMapping/>
-  </p:clrMapOvr>
-</p:notes>
-</file>
-
-<file path=ppt/notesSlides/notesSlide5.xml><?xml version="1.0" encoding="utf-8"?>
-<p:notes xmlns:a="http://schemas.openxmlformats.org/drawingml/2006/main" xmlns:r="http://schemas.openxmlformats.org/officeDocument/2006/relationships" xmlns:p="http://schemas.openxmlformats.org/presentationml/2006/main">
-  <p:cSld>
-    <p:spTree>
-      <p:nvGrpSpPr>
-        <p:cNvPr id="1" name=""/>
-        <p:cNvGrpSpPr/>
-        <p:nvPr/>
-      </p:nvGrpSpPr>
-      <p:grpSpPr>
-        <a:xfrm>
-          <a:off x="0" y="0"/>
-          <a:ext cx="0" cy="0"/>
-          <a:chOff x="0" y="0"/>
-          <a:chExt cx="0" cy="0"/>
-        </a:xfrm>
-      </p:grpSpPr>
-      <p:sp>
-        <p:nvSpPr>
-          <p:cNvPr id="107522" name="幻灯片图像占位符 1"/>
-          <p:cNvSpPr>
-            <a:spLocks noGrp="1" noRot="1" noChangeAspect="1" noTextEdit="1"/>
-          </p:cNvSpPr>
-          <p:nvPr>
-            <p:ph type="sldImg"/>
-          </p:nvPr>
-        </p:nvSpPr>
-        <p:spPr>
-          <a:xfrm>
-            <a:off x="917575" y="744538"/>
-            <a:ext cx="4962525" cy="3722687"/>
-          </a:xfrm>
-          <a:ln/>
-        </p:spPr>
-      </p:sp>
-      <p:sp>
-        <p:nvSpPr>
-          <p:cNvPr id="107523" name="备注占位符 2"/>
-          <p:cNvSpPr>
-            <a:spLocks noGrp="1"/>
-          </p:cNvSpPr>
-          <p:nvPr>
-            <p:ph type="body" idx="1"/>
-          </p:nvPr>
-        </p:nvSpPr>
-        <p:spPr>
-          <a:noFill/>
-          <a:ln/>
-          <a:extLst>
-            <a:ext uri="{909E8E84-426E-40DD-AFC4-6F175D3DCCD1}">
-              <a14:hiddenFill xmlns:a14="http://schemas.microsoft.com/office/drawing/2010/main">
-                <a:solidFill>
-                  <a:srgbClr val="FFFFFF"/>
-                </a:solidFill>
-              </a14:hiddenFill>
-            </a:ext>
-            <a:ext uri="{91240B29-F687-4F45-9708-019B960494DF}">
-              <a14:hiddenLine xmlns:a14="http://schemas.microsoft.com/office/drawing/2010/main" w="9525">
-                <a:solidFill>
-                  <a:srgbClr val="000000"/>
-                </a:solidFill>
-                <a:miter lim="800000"/>
-                <a:headEnd/>
-                <a:tailEnd/>
-              </a14:hiddenLine>
-            </a:ext>
-          </a:extLst>
-        </p:spPr>
-        <p:txBody>
-          <a:bodyPr/>
-          <a:lstStyle/>
-          <a:p>
-            <a:endParaRPr lang="zh-CN" altLang="en-US"/>
-          </a:p>
-        </p:txBody>
-      </p:sp>
-      <p:sp>
-        <p:nvSpPr>
-          <p:cNvPr id="107524" name="灯片编号占位符 3"/>
-          <p:cNvSpPr>
-            <a:spLocks noGrp="1"/>
-          </p:cNvSpPr>
-          <p:nvPr>
-            <p:ph type="sldNum" sz="quarter" idx="5"/>
-          </p:nvPr>
-        </p:nvSpPr>
-        <p:spPr>
-          <a:noFill/>
-          <a:ln/>
-          <a:extLst>
-            <a:ext uri="{909E8E84-426E-40DD-AFC4-6F175D3DCCD1}">
-              <a14:hiddenFill xmlns:a14="http://schemas.microsoft.com/office/drawing/2010/main">
-                <a:solidFill>
-                  <a:srgbClr val="FFFFFF"/>
-                </a:solidFill>
-              </a14:hiddenFill>
-            </a:ext>
-            <a:ext uri="{91240B29-F687-4F45-9708-019B960494DF}">
-              <a14:hiddenLine xmlns:a14="http://schemas.microsoft.com/office/drawing/2010/main" w="9525">
-                <a:solidFill>
-                  <a:srgbClr val="000000"/>
-                </a:solidFill>
-                <a:miter lim="800000"/>
-                <a:headEnd/>
-                <a:tailEnd/>
-              </a14:hiddenLine>
-            </a:ext>
-          </a:extLst>
-        </p:spPr>
-        <p:txBody>
-          <a:bodyPr/>
-          <a:lstStyle>
-            <a:lvl1pPr eaLnBrk="0" hangingPunct="0">
-              <a:spcBef>
-                <a:spcPct val="30000"/>
-              </a:spcBef>
-              <a:defRPr sz="1200">
-                <a:solidFill>
-                  <a:schemeClr val="tx1"/>
-                </a:solidFill>
-                <a:latin typeface="Times New Roman" pitchFamily="18" charset="0"/>
-                <a:ea typeface="宋体" pitchFamily="2" charset="-122"/>
-              </a:defRPr>
-            </a:lvl1pPr>
-            <a:lvl2pPr marL="742950" indent="-285750" eaLnBrk="0" hangingPunct="0">
-              <a:spcBef>
-                <a:spcPct val="30000"/>
-              </a:spcBef>
-              <a:defRPr sz="1200">
-                <a:solidFill>
-                  <a:schemeClr val="tx1"/>
-                </a:solidFill>
-                <a:latin typeface="Times New Roman" pitchFamily="18" charset="0"/>
-                <a:ea typeface="宋体" pitchFamily="2" charset="-122"/>
-              </a:defRPr>
-            </a:lvl2pPr>
-            <a:lvl3pPr marL="1143000" indent="-228600" eaLnBrk="0" hangingPunct="0">
-              <a:spcBef>
-                <a:spcPct val="30000"/>
-              </a:spcBef>
-              <a:defRPr sz="1200">
-                <a:solidFill>
-                  <a:schemeClr val="tx1"/>
-                </a:solidFill>
-                <a:latin typeface="Times New Roman" pitchFamily="18" charset="0"/>
-                <a:ea typeface="宋体" pitchFamily="2" charset="-122"/>
-              </a:defRPr>
-            </a:lvl3pPr>
-            <a:lvl4pPr marL="1600200" indent="-228600" eaLnBrk="0" hangingPunct="0">
-              <a:spcBef>
-                <a:spcPct val="30000"/>
-              </a:spcBef>
-              <a:defRPr sz="1200">
-                <a:solidFill>
-                  <a:schemeClr val="tx1"/>
-                </a:solidFill>
-                <a:latin typeface="Times New Roman" pitchFamily="18" charset="0"/>
-                <a:ea typeface="宋体" pitchFamily="2" charset="-122"/>
-              </a:defRPr>
-            </a:lvl4pPr>
-            <a:lvl5pPr marL="2057400" indent="-228600" eaLnBrk="0" hangingPunct="0">
-              <a:spcBef>
-                <a:spcPct val="30000"/>
-              </a:spcBef>
-              <a:defRPr sz="1200">
-                <a:solidFill>
-                  <a:schemeClr val="tx1"/>
-                </a:solidFill>
-                <a:latin typeface="Times New Roman" pitchFamily="18" charset="0"/>
-                <a:ea typeface="宋体" pitchFamily="2" charset="-122"/>
-              </a:defRPr>
-            </a:lvl5pPr>
-            <a:lvl6pPr marL="2514600" indent="-228600" eaLnBrk="0" fontAlgn="base" hangingPunct="0">
-              <a:spcBef>
-                <a:spcPct val="30000"/>
-              </a:spcBef>
-              <a:spcAft>
-                <a:spcPct val="0"/>
-              </a:spcAft>
-              <a:defRPr sz="1200">
-                <a:solidFill>
-                  <a:schemeClr val="tx1"/>
-                </a:solidFill>
-                <a:latin typeface="Times New Roman" pitchFamily="18" charset="0"/>
-                <a:ea typeface="宋体" pitchFamily="2" charset="-122"/>
-              </a:defRPr>
-            </a:lvl6pPr>
-            <a:lvl7pPr marL="2971800" indent="-228600" eaLnBrk="0" fontAlgn="base" hangingPunct="0">
-              <a:spcBef>
-                <a:spcPct val="30000"/>
-              </a:spcBef>
-              <a:spcAft>
-                <a:spcPct val="0"/>
-              </a:spcAft>
-              <a:defRPr sz="1200">
-                <a:solidFill>
-                  <a:schemeClr val="tx1"/>
-                </a:solidFill>
-                <a:latin typeface="Times New Roman" pitchFamily="18" charset="0"/>
-                <a:ea typeface="宋体" pitchFamily="2" charset="-122"/>
-              </a:defRPr>
-            </a:lvl7pPr>
-            <a:lvl8pPr marL="3429000" indent="-228600" eaLnBrk="0" fontAlgn="base" hangingPunct="0">
-              <a:spcBef>
-                <a:spcPct val="30000"/>
-              </a:spcBef>
-              <a:spcAft>
-                <a:spcPct val="0"/>
-              </a:spcAft>
-              <a:defRPr sz="1200">
-                <a:solidFill>
-                  <a:schemeClr val="tx1"/>
-                </a:solidFill>
-                <a:latin typeface="Times New Roman" pitchFamily="18" charset="0"/>
-                <a:ea typeface="宋体" pitchFamily="2" charset="-122"/>
-              </a:defRPr>
-            </a:lvl8pPr>
-            <a:lvl9pPr marL="3886200" indent="-228600" eaLnBrk="0" fontAlgn="base" hangingPunct="0">
-              <a:spcBef>
-                <a:spcPct val="30000"/>
-              </a:spcBef>
-              <a:spcAft>
-                <a:spcPct val="0"/>
-              </a:spcAft>
-              <a:defRPr sz="1200">
-                <a:solidFill>
-                  <a:schemeClr val="tx1"/>
-                </a:solidFill>
-                <a:latin typeface="Times New Roman" pitchFamily="18" charset="0"/>
-                <a:ea typeface="宋体" pitchFamily="2" charset="-122"/>
-              </a:defRPr>
-            </a:lvl9pPr>
-          </a:lstStyle>
-          <a:p>
-            <a:pPr eaLnBrk="1" hangingPunct="1">
-              <a:spcBef>
-                <a:spcPct val="0"/>
-              </a:spcBef>
-            </a:pPr>
-            <a:fld id="{7C721CAE-B0E6-472A-A626-E4872F138878}" type="slidenum">
-              <a:rPr lang="en-US" altLang="zh-CN" smtClean="0"/>
-              <a:pPr eaLnBrk="1" hangingPunct="1">
-                <a:spcBef>
-                  <a:spcPct val="0"/>
-                </a:spcBef>
-              </a:pPr>
-              <a:t>9</a:t>
-            </a:fld>
-            <a:endParaRPr lang="en-US" altLang="zh-CN"/>
-          </a:p>
-        </p:txBody>
-      </p:sp>
-    </p:spTree>
-    <p:extLst>
-      <p:ext uri="{BB962C8B-B14F-4D97-AF65-F5344CB8AC3E}">
-        <p14:creationId xmlns:p14="http://schemas.microsoft.com/office/powerpoint/2010/main" val="720703896"/>
       </p:ext>
     </p:extLst>
   </p:cSld>
@@ -6294,7 +5499,7 @@
         <p:spPr bwMode="auto">
           <a:xfrm>
             <a:off x="285750" y="1449589"/>
-            <a:ext cx="8305800" cy="2074414"/>
+            <a:ext cx="8305800" cy="2443746"/>
           </a:xfrm>
           <a:prstGeom prst="rect">
             <a:avLst/>
@@ -6459,7 +5664,7 @@
                 <a:ea typeface="楷体_GB2312"/>
                 <a:cs typeface="楷体_GB2312"/>
               </a:rPr>
-              <a:t>教学辅导（</a:t>
+              <a:t>课堂教学（</a:t>
             </a:r>
             <a:r>
               <a:rPr kumimoji="1" lang="en-US" altLang="zh-CN" sz="2800" dirty="0">
@@ -6473,7 +5678,7 @@
                 <a:ea typeface="楷体_GB2312"/>
                 <a:cs typeface="楷体_GB2312"/>
               </a:rPr>
-              <a:t>30</a:t>
+              <a:t>22</a:t>
             </a:r>
             <a:r>
               <a:rPr kumimoji="1" lang="zh-CN" altLang="en-US" sz="2800" dirty="0">
@@ -6487,7 +5692,35 @@
                 <a:ea typeface="楷体_GB2312"/>
                 <a:cs typeface="楷体_GB2312"/>
               </a:rPr>
-              <a:t>课时） </a:t>
+              <a:t>课时，</a:t>
+            </a:r>
+            <a:r>
+              <a:rPr kumimoji="1" lang="en-US" altLang="zh-CN" sz="2800" dirty="0">
+                <a:solidFill>
+                  <a:schemeClr val="accent4">
+                    <a:lumMod val="90000"/>
+                    <a:lumOff val="10000"/>
+                  </a:schemeClr>
+                </a:solidFill>
+                <a:latin typeface="楷体_GB2312"/>
+                <a:ea typeface="楷体_GB2312"/>
+                <a:cs typeface="楷体_GB2312"/>
+              </a:rPr>
+              <a:t>11</a:t>
+            </a:r>
+            <a:r>
+              <a:rPr kumimoji="1" lang="zh-CN" altLang="en-US" sz="2800" dirty="0">
+                <a:solidFill>
+                  <a:schemeClr val="accent4">
+                    <a:lumMod val="90000"/>
+                    <a:lumOff val="10000"/>
+                  </a:schemeClr>
+                </a:solidFill>
+                <a:latin typeface="楷体_GB2312"/>
+                <a:ea typeface="楷体_GB2312"/>
+                <a:cs typeface="楷体_GB2312"/>
+              </a:rPr>
+              <a:t>次） </a:t>
             </a:r>
             <a:endParaRPr kumimoji="1" lang="en-US" altLang="zh-CN" sz="2800" dirty="0">
               <a:solidFill>
@@ -6526,7 +5759,7 @@
                 <a:ea typeface="楷体_GB2312"/>
                 <a:cs typeface="楷体_GB2312"/>
               </a:rPr>
-              <a:t>上机实验（</a:t>
+              <a:t>实验课    （</a:t>
             </a:r>
             <a:r>
               <a:rPr kumimoji="1" lang="en-US" altLang="zh-CN" sz="2800" dirty="0">
@@ -6554,8 +5787,47 @@
                 <a:ea typeface="楷体_GB2312"/>
                 <a:cs typeface="楷体_GB2312"/>
               </a:rPr>
-              <a:t>课时）</a:t>
-            </a:r>
+              <a:t>课时，</a:t>
+            </a:r>
+            <a:r>
+              <a:rPr kumimoji="1" lang="en-US" altLang="zh-CN" sz="2800" dirty="0">
+                <a:solidFill>
+                  <a:schemeClr val="accent4">
+                    <a:lumMod val="90000"/>
+                    <a:lumOff val="10000"/>
+                  </a:schemeClr>
+                </a:solidFill>
+                <a:latin typeface="楷体_GB2312"/>
+                <a:ea typeface="楷体_GB2312"/>
+                <a:cs typeface="楷体_GB2312"/>
+              </a:rPr>
+              <a:t>10</a:t>
+            </a:r>
+            <a:r>
+              <a:rPr kumimoji="1" lang="zh-CN" altLang="en-US" sz="2800" dirty="0">
+                <a:solidFill>
+                  <a:schemeClr val="accent4">
+                    <a:lumMod val="90000"/>
+                    <a:lumOff val="10000"/>
+                  </a:schemeClr>
+                </a:solidFill>
+                <a:latin typeface="楷体_GB2312"/>
+                <a:ea typeface="楷体_GB2312"/>
+                <a:cs typeface="楷体_GB2312"/>
+              </a:rPr>
+              <a:t>次）</a:t>
+            </a:r>
+            <a:endParaRPr kumimoji="1" lang="en-US" altLang="zh-CN" sz="2800" dirty="0">
+              <a:solidFill>
+                <a:schemeClr val="accent4">
+                  <a:lumMod val="90000"/>
+                  <a:lumOff val="10000"/>
+                </a:schemeClr>
+              </a:solidFill>
+              <a:latin typeface="楷体_GB2312"/>
+              <a:ea typeface="楷体_GB2312"/>
+              <a:cs typeface="楷体_GB2312"/>
+            </a:endParaRPr>
           </a:p>
           <a:p>
             <a:pPr eaLnBrk="1" hangingPunct="1">
@@ -6582,7 +5854,7 @@
                 <a:ea typeface="楷体_GB2312"/>
                 <a:cs typeface="楷体_GB2312"/>
               </a:rPr>
-              <a:t>课后作业（周一</a:t>
+              <a:t>课程研讨（  </a:t>
             </a:r>
             <a:r>
               <a:rPr kumimoji="1" lang="en-US" altLang="zh-CN" sz="2800" dirty="0">
@@ -6596,7 +5868,7 @@
                 <a:ea typeface="楷体_GB2312"/>
                 <a:cs typeface="楷体_GB2312"/>
               </a:rPr>
-              <a:t>8:00</a:t>
+              <a:t>8</a:t>
             </a:r>
             <a:r>
               <a:rPr kumimoji="1" lang="zh-CN" altLang="en-US" sz="2800" dirty="0">
@@ -6610,7 +5882,35 @@
                 <a:ea typeface="楷体_GB2312"/>
                 <a:cs typeface="楷体_GB2312"/>
               </a:rPr>
-              <a:t>之前交作业）</a:t>
+              <a:t>课时，  </a:t>
+            </a:r>
+            <a:r>
+              <a:rPr kumimoji="1" lang="en-US" altLang="zh-CN" sz="2800" dirty="0">
+                <a:solidFill>
+                  <a:schemeClr val="accent4">
+                    <a:lumMod val="90000"/>
+                    <a:lumOff val="10000"/>
+                  </a:schemeClr>
+                </a:solidFill>
+                <a:latin typeface="楷体_GB2312"/>
+                <a:ea typeface="楷体_GB2312"/>
+                <a:cs typeface="楷体_GB2312"/>
+              </a:rPr>
+              <a:t>4</a:t>
+            </a:r>
+            <a:r>
+              <a:rPr kumimoji="1" lang="zh-CN" altLang="en-US" sz="2800" dirty="0">
+                <a:solidFill>
+                  <a:schemeClr val="accent4">
+                    <a:lumMod val="90000"/>
+                    <a:lumOff val="10000"/>
+                  </a:schemeClr>
+                </a:solidFill>
+                <a:latin typeface="楷体_GB2312"/>
+                <a:ea typeface="楷体_GB2312"/>
+                <a:cs typeface="楷体_GB2312"/>
+              </a:rPr>
+              <a:t>次）</a:t>
             </a:r>
           </a:p>
           <a:p>
@@ -6622,27 +5922,78 @@
                 <a:srgbClr val="CC0000"/>
               </a:buClr>
               <a:buSzPct val="75000"/>
-              <a:buFont typeface="Wingdings" pitchFamily="2" charset="2"/>
-              <a:buChar char="v"/>
               <a:defRPr/>
             </a:pPr>
-            <a:r>
-              <a:rPr kumimoji="1" lang="zh-CN" altLang="en-US" sz="2800" dirty="0">
-                <a:solidFill>
-                  <a:schemeClr val="accent4">
-                    <a:lumMod val="90000"/>
-                    <a:lumOff val="10000"/>
-                  </a:schemeClr>
+            <a:endParaRPr kumimoji="1" lang="en-US" altLang="zh-CN" sz="2800" dirty="0">
+              <a:solidFill>
+                <a:schemeClr val="accent4">
+                  <a:lumMod val="90000"/>
+                  <a:lumOff val="10000"/>
+                </a:schemeClr>
+              </a:solidFill>
+              <a:latin typeface="楷体_GB2312"/>
+              <a:ea typeface="楷体_GB2312"/>
+              <a:cs typeface="楷体_GB2312"/>
+            </a:endParaRPr>
+          </a:p>
+          <a:p>
+            <a:pPr eaLnBrk="1" hangingPunct="1">
+              <a:spcBef>
+                <a:spcPct val="20000"/>
+              </a:spcBef>
+              <a:buClr>
+                <a:srgbClr val="CC0000"/>
+              </a:buClr>
+              <a:buSzPct val="75000"/>
+              <a:defRPr/>
+            </a:pPr>
+            <a:r>
+              <a:rPr kumimoji="1" lang="zh-CN" altLang="en-US" sz="2000" dirty="0">
+                <a:solidFill>
+                  <a:srgbClr val="C00000"/>
                 </a:solidFill>
                 <a:latin typeface="楷体_GB2312"/>
                 <a:ea typeface="楷体_GB2312"/>
                 <a:cs typeface="楷体_GB2312"/>
               </a:rPr>
-              <a:t>要求：课前预习、课后认真作业</a:t>
-            </a:r>
-            <a:endParaRPr kumimoji="1" lang="en-US" altLang="zh-CN" sz="2800" dirty="0">
+              <a:t>各项任务严禁抄袭，一旦发现成绩</a:t>
+            </a:r>
+            <a:r>
+              <a:rPr kumimoji="1" lang="zh-CN" altLang="en-CN" sz="2000" dirty="0">
+                <a:solidFill>
+                  <a:srgbClr val="C00000"/>
+                </a:solidFill>
+                <a:latin typeface="楷体_GB2312"/>
+                <a:ea typeface="楷体_GB2312"/>
+                <a:cs typeface="楷体_GB2312"/>
+              </a:rPr>
+              <a:t>记为</a:t>
+            </a:r>
+            <a:r>
+              <a:rPr kumimoji="1" lang="en-US" altLang="zh-CN" sz="2000" dirty="0">
+                <a:solidFill>
+                  <a:srgbClr val="C00000"/>
+                </a:solidFill>
+                <a:latin typeface="楷体_GB2312"/>
+                <a:ea typeface="楷体_GB2312"/>
+                <a:cs typeface="楷体_GB2312"/>
+              </a:rPr>
+              <a:t>0</a:t>
+            </a:r>
+            <a:r>
+              <a:rPr kumimoji="1" lang="zh-CN" altLang="en-US" sz="2000" dirty="0">
+                <a:solidFill>
+                  <a:srgbClr val="C00000"/>
+                </a:solidFill>
+                <a:latin typeface="楷体_GB2312"/>
+                <a:ea typeface="楷体_GB2312"/>
+                <a:cs typeface="楷体_GB2312"/>
+              </a:rPr>
+              <a:t>分</a:t>
+            </a:r>
+            <a:endParaRPr kumimoji="1" lang="en-US" altLang="zh-CN" sz="2000" dirty="0">
               <a:solidFill>
-                <a:srgbClr val="660033"/>
+                <a:srgbClr val="C00000"/>
               </a:solidFill>
               <a:latin typeface="楷体_GB2312"/>
               <a:ea typeface="楷体_GB2312"/>
@@ -6668,6 +6019,309 @@
 </file>
 
 <file path=ppt/slides/slide3.xml><?xml version="1.0" encoding="utf-8"?>
+<p:sld xmlns:a="http://schemas.openxmlformats.org/drawingml/2006/main" xmlns:r="http://schemas.openxmlformats.org/officeDocument/2006/relationships" xmlns:p="http://schemas.openxmlformats.org/presentationml/2006/main">
+  <p:cSld>
+    <p:spTree>
+      <p:nvGrpSpPr>
+        <p:cNvPr id="1" name=""/>
+        <p:cNvGrpSpPr/>
+        <p:nvPr/>
+      </p:nvGrpSpPr>
+      <p:grpSpPr>
+        <a:xfrm>
+          <a:off x="0" y="0"/>
+          <a:ext cx="0" cy="0"/>
+          <a:chOff x="0" y="0"/>
+          <a:chExt cx="0" cy="0"/>
+        </a:xfrm>
+      </p:grpSpPr>
+      <p:sp>
+        <p:nvSpPr>
+          <p:cNvPr id="3" name="Title 2">
+            <a:extLst>
+              <a:ext uri="{FF2B5EF4-FFF2-40B4-BE49-F238E27FC236}">
+                <a16:creationId xmlns:a16="http://schemas.microsoft.com/office/drawing/2014/main" id="{96333FEC-F9AD-BF40-A80E-84558467DA91}"/>
+              </a:ext>
+            </a:extLst>
+          </p:cNvPr>
+          <p:cNvSpPr>
+            <a:spLocks noGrp="1"/>
+          </p:cNvSpPr>
+          <p:nvPr>
+            <p:ph type="title"/>
+          </p:nvPr>
+        </p:nvSpPr>
+        <p:spPr/>
+        <p:txBody>
+          <a:bodyPr/>
+          <a:lstStyle/>
+          <a:p>
+            <a:r>
+              <a:rPr lang="en-CN" dirty="0"/>
+              <a:t>课程内容</a:t>
+            </a:r>
+          </a:p>
+        </p:txBody>
+      </p:sp>
+      <p:pic>
+        <p:nvPicPr>
+          <p:cNvPr id="8" name="Picture 7">
+            <a:extLst>
+              <a:ext uri="{FF2B5EF4-FFF2-40B4-BE49-F238E27FC236}">
+                <a16:creationId xmlns:a16="http://schemas.microsoft.com/office/drawing/2014/main" id="{B44D0B57-DA5E-CB46-8F13-4984D01EF2A5}"/>
+              </a:ext>
+            </a:extLst>
+          </p:cNvPr>
+          <p:cNvPicPr>
+            <a:picLocks noChangeAspect="1"/>
+          </p:cNvPicPr>
+          <p:nvPr/>
+        </p:nvPicPr>
+        <p:blipFill>
+          <a:blip r:embed="rId2"/>
+          <a:stretch>
+            <a:fillRect/>
+          </a:stretch>
+        </p:blipFill>
+        <p:spPr>
+          <a:xfrm>
+            <a:off x="395536" y="1628800"/>
+            <a:ext cx="5118100" cy="2260600"/>
+          </a:xfrm>
+          <a:prstGeom prst="rect">
+            <a:avLst/>
+          </a:prstGeom>
+        </p:spPr>
+      </p:pic>
+    </p:spTree>
+    <p:extLst>
+      <p:ext uri="{BB962C8B-B14F-4D97-AF65-F5344CB8AC3E}">
+        <p14:creationId xmlns:p14="http://schemas.microsoft.com/office/powerpoint/2010/main" val="2916201762"/>
+      </p:ext>
+    </p:extLst>
+  </p:cSld>
+  <p:clrMapOvr>
+    <a:masterClrMapping/>
+  </p:clrMapOvr>
+  <p:transition>
+    <p:wipe dir="r"/>
+  </p:transition>
+</p:sld>
+</file>
+
+<file path=ppt/slides/slide4.xml><?xml version="1.0" encoding="utf-8"?>
+<p:sld xmlns:a="http://schemas.openxmlformats.org/drawingml/2006/main" xmlns:r="http://schemas.openxmlformats.org/officeDocument/2006/relationships" xmlns:p="http://schemas.openxmlformats.org/presentationml/2006/main">
+  <p:cSld>
+    <p:spTree>
+      <p:nvGrpSpPr>
+        <p:cNvPr id="1" name=""/>
+        <p:cNvGrpSpPr/>
+        <p:nvPr/>
+      </p:nvGrpSpPr>
+      <p:grpSpPr>
+        <a:xfrm>
+          <a:off x="0" y="0"/>
+          <a:ext cx="0" cy="0"/>
+          <a:chOff x="0" y="0"/>
+          <a:chExt cx="0" cy="0"/>
+        </a:xfrm>
+      </p:grpSpPr>
+      <p:sp>
+        <p:nvSpPr>
+          <p:cNvPr id="3" name="Title 2">
+            <a:extLst>
+              <a:ext uri="{FF2B5EF4-FFF2-40B4-BE49-F238E27FC236}">
+                <a16:creationId xmlns:a16="http://schemas.microsoft.com/office/drawing/2014/main" id="{E0FACD0C-48B6-5245-B593-277B868EA096}"/>
+              </a:ext>
+            </a:extLst>
+          </p:cNvPr>
+          <p:cNvSpPr>
+            <a:spLocks noGrp="1"/>
+          </p:cNvSpPr>
+          <p:nvPr>
+            <p:ph type="title"/>
+          </p:nvPr>
+        </p:nvSpPr>
+        <p:spPr/>
+        <p:txBody>
+          <a:bodyPr/>
+          <a:lstStyle/>
+          <a:p>
+            <a:r>
+              <a:rPr lang="en-CN" dirty="0"/>
+              <a:t>上机实验</a:t>
+            </a:r>
+          </a:p>
+        </p:txBody>
+      </p:sp>
+      <p:pic>
+        <p:nvPicPr>
+          <p:cNvPr id="6" name="Picture 5">
+            <a:extLst>
+              <a:ext uri="{FF2B5EF4-FFF2-40B4-BE49-F238E27FC236}">
+                <a16:creationId xmlns:a16="http://schemas.microsoft.com/office/drawing/2014/main" id="{68703396-CFFF-E147-BD3C-6936D445A9BE}"/>
+              </a:ext>
+            </a:extLst>
+          </p:cNvPr>
+          <p:cNvPicPr>
+            <a:picLocks noChangeAspect="1"/>
+          </p:cNvPicPr>
+          <p:nvPr/>
+        </p:nvPicPr>
+        <p:blipFill>
+          <a:blip r:embed="rId2"/>
+          <a:stretch>
+            <a:fillRect/>
+          </a:stretch>
+        </p:blipFill>
+        <p:spPr>
+          <a:xfrm>
+            <a:off x="395536" y="1700807"/>
+            <a:ext cx="6840760" cy="3676909"/>
+          </a:xfrm>
+          <a:prstGeom prst="rect">
+            <a:avLst/>
+          </a:prstGeom>
+        </p:spPr>
+      </p:pic>
+    </p:spTree>
+    <p:extLst>
+      <p:ext uri="{BB962C8B-B14F-4D97-AF65-F5344CB8AC3E}">
+        <p14:creationId xmlns:p14="http://schemas.microsoft.com/office/powerpoint/2010/main" val="406955960"/>
+      </p:ext>
+    </p:extLst>
+  </p:cSld>
+  <p:clrMapOvr>
+    <a:masterClrMapping/>
+  </p:clrMapOvr>
+  <p:transition>
+    <p:wipe dir="r"/>
+  </p:transition>
+</p:sld>
+</file>
+
+<file path=ppt/slides/slide5.xml><?xml version="1.0" encoding="utf-8"?>
+<p:sld xmlns:a="http://schemas.openxmlformats.org/drawingml/2006/main" xmlns:r="http://schemas.openxmlformats.org/officeDocument/2006/relationships" xmlns:p="http://schemas.openxmlformats.org/presentationml/2006/main">
+  <p:cSld>
+    <p:spTree>
+      <p:nvGrpSpPr>
+        <p:cNvPr id="1" name=""/>
+        <p:cNvGrpSpPr/>
+        <p:nvPr/>
+      </p:nvGrpSpPr>
+      <p:grpSpPr>
+        <a:xfrm>
+          <a:off x="0" y="0"/>
+          <a:ext cx="0" cy="0"/>
+          <a:chOff x="0" y="0"/>
+          <a:chExt cx="0" cy="0"/>
+        </a:xfrm>
+      </p:grpSpPr>
+      <p:sp>
+        <p:nvSpPr>
+          <p:cNvPr id="3" name="Title 2">
+            <a:extLst>
+              <a:ext uri="{FF2B5EF4-FFF2-40B4-BE49-F238E27FC236}">
+                <a16:creationId xmlns:a16="http://schemas.microsoft.com/office/drawing/2014/main" id="{08D9826F-0808-2945-A249-3A3E32FD99D1}"/>
+              </a:ext>
+            </a:extLst>
+          </p:cNvPr>
+          <p:cNvSpPr>
+            <a:spLocks noGrp="1"/>
+          </p:cNvSpPr>
+          <p:nvPr>
+            <p:ph type="title"/>
+          </p:nvPr>
+        </p:nvSpPr>
+        <p:spPr/>
+        <p:txBody>
+          <a:bodyPr/>
+          <a:lstStyle/>
+          <a:p>
+            <a:r>
+              <a:rPr lang="en-CN" dirty="0"/>
+              <a:t>小组研讨</a:t>
+            </a:r>
+          </a:p>
+        </p:txBody>
+      </p:sp>
+      <p:pic>
+        <p:nvPicPr>
+          <p:cNvPr id="5" name="Picture 4">
+            <a:extLst>
+              <a:ext uri="{FF2B5EF4-FFF2-40B4-BE49-F238E27FC236}">
+                <a16:creationId xmlns:a16="http://schemas.microsoft.com/office/drawing/2014/main" id="{256C57DF-F8DA-AC4F-BBBE-319C23DE60F8}"/>
+              </a:ext>
+            </a:extLst>
+          </p:cNvPr>
+          <p:cNvPicPr>
+            <a:picLocks noChangeAspect="1"/>
+          </p:cNvPicPr>
+          <p:nvPr/>
+        </p:nvPicPr>
+        <p:blipFill>
+          <a:blip r:embed="rId2"/>
+          <a:stretch>
+            <a:fillRect/>
+          </a:stretch>
+        </p:blipFill>
+        <p:spPr>
+          <a:xfrm>
+            <a:off x="827584" y="3861048"/>
+            <a:ext cx="6584901" cy="2426795"/>
+          </a:xfrm>
+          <a:prstGeom prst="rect">
+            <a:avLst/>
+          </a:prstGeom>
+        </p:spPr>
+      </p:pic>
+      <p:pic>
+        <p:nvPicPr>
+          <p:cNvPr id="7" name="Picture 6">
+            <a:extLst>
+              <a:ext uri="{FF2B5EF4-FFF2-40B4-BE49-F238E27FC236}">
+                <a16:creationId xmlns:a16="http://schemas.microsoft.com/office/drawing/2014/main" id="{A76022FC-EFB4-D342-BA1E-99EF3AB6DCA0}"/>
+              </a:ext>
+            </a:extLst>
+          </p:cNvPr>
+          <p:cNvPicPr>
+            <a:picLocks noChangeAspect="1"/>
+          </p:cNvPicPr>
+          <p:nvPr/>
+        </p:nvPicPr>
+        <p:blipFill>
+          <a:blip r:embed="rId3"/>
+          <a:stretch>
+            <a:fillRect/>
+          </a:stretch>
+        </p:blipFill>
+        <p:spPr>
+          <a:xfrm>
+            <a:off x="755576" y="1419233"/>
+            <a:ext cx="6053081" cy="2239640"/>
+          </a:xfrm>
+          <a:prstGeom prst="rect">
+            <a:avLst/>
+          </a:prstGeom>
+        </p:spPr>
+      </p:pic>
+    </p:spTree>
+    <p:extLst>
+      <p:ext uri="{BB962C8B-B14F-4D97-AF65-F5344CB8AC3E}">
+        <p14:creationId xmlns:p14="http://schemas.microsoft.com/office/powerpoint/2010/main" val="389658507"/>
+      </p:ext>
+    </p:extLst>
+  </p:cSld>
+  <p:clrMapOvr>
+    <a:masterClrMapping/>
+  </p:clrMapOvr>
+  <p:transition>
+    <p:wipe dir="r"/>
+  </p:transition>
+</p:sld>
+</file>
+
+<file path=ppt/slides/slide6.xml><?xml version="1.0" encoding="utf-8"?>
 <p:sld xmlns:a="http://schemas.openxmlformats.org/drawingml/2006/main" xmlns:r="http://schemas.openxmlformats.org/officeDocument/2006/relationships" xmlns:p="http://schemas.openxmlformats.org/presentationml/2006/main">
   <p:cSld>
     <p:spTree>
@@ -6719,662 +6373,7 @@
                 <a:latin typeface="华文彩云" panose="02010800040101010101" pitchFamily="2" charset="-122"/>
                 <a:ea typeface="华文彩云" panose="02010800040101010101" pitchFamily="2" charset="-122"/>
               </a:rPr>
-              <a:t>上 机 实 验</a:t>
-            </a:r>
-          </a:p>
-        </p:txBody>
-      </p:sp>
-      <p:sp>
-        <p:nvSpPr>
-          <p:cNvPr id="12291" name="Text Box 4">
-            <a:extLst>
-              <a:ext uri="{FF2B5EF4-FFF2-40B4-BE49-F238E27FC236}">
-                <a16:creationId xmlns:a16="http://schemas.microsoft.com/office/drawing/2014/main" id="{EA77B2AA-8D0F-4DD8-A605-0A3CB9B09F0F}"/>
-              </a:ext>
-            </a:extLst>
-          </p:cNvPr>
-          <p:cNvSpPr txBox="1">
-            <a:spLocks noChangeArrowheads="1"/>
-          </p:cNvSpPr>
-          <p:nvPr/>
-        </p:nvSpPr>
-        <p:spPr bwMode="auto">
-          <a:xfrm>
-            <a:off x="609600" y="1524000"/>
-            <a:ext cx="8229600" cy="5090624"/>
-          </a:xfrm>
-          <a:prstGeom prst="rect">
-            <a:avLst/>
-          </a:prstGeom>
-          <a:noFill/>
-          <a:ln>
-            <a:noFill/>
-          </a:ln>
-          <a:extLst>
-            <a:ext uri="{909E8E84-426E-40DD-AFC4-6F175D3DCCD1}">
-              <a14:hiddenFill xmlns:a14="http://schemas.microsoft.com/office/drawing/2010/main">
-                <a:solidFill>
-                  <a:srgbClr val="FFFFFF"/>
-                </a:solidFill>
-              </a14:hiddenFill>
-            </a:ext>
-            <a:ext uri="{91240B29-F687-4F45-9708-019B960494DF}">
-              <a14:hiddenLine xmlns:a14="http://schemas.microsoft.com/office/drawing/2010/main" w="9525">
-                <a:solidFill>
-                  <a:srgbClr val="000000"/>
-                </a:solidFill>
-                <a:miter lim="800000"/>
-                <a:headEnd/>
-                <a:tailEnd/>
-              </a14:hiddenLine>
-            </a:ext>
-          </a:extLst>
-        </p:spPr>
-        <p:txBody>
-          <a:bodyPr>
-            <a:spAutoFit/>
-          </a:bodyPr>
-          <a:lstStyle>
-            <a:lvl1pPr eaLnBrk="0" hangingPunct="0">
-              <a:defRPr>
-                <a:solidFill>
-                  <a:schemeClr val="tx1"/>
-                </a:solidFill>
-                <a:latin typeface="Arial" pitchFamily="34" charset="0"/>
-                <a:ea typeface="宋体" pitchFamily="2" charset="-122"/>
-              </a:defRPr>
-            </a:lvl1pPr>
-            <a:lvl2pPr marL="742950" indent="-285750" eaLnBrk="0" hangingPunct="0">
-              <a:defRPr>
-                <a:solidFill>
-                  <a:schemeClr val="tx1"/>
-                </a:solidFill>
-                <a:latin typeface="Arial" pitchFamily="34" charset="0"/>
-                <a:ea typeface="宋体" pitchFamily="2" charset="-122"/>
-              </a:defRPr>
-            </a:lvl2pPr>
-            <a:lvl3pPr marL="1143000" indent="-228600" eaLnBrk="0" hangingPunct="0">
-              <a:defRPr>
-                <a:solidFill>
-                  <a:schemeClr val="tx1"/>
-                </a:solidFill>
-                <a:latin typeface="Arial" pitchFamily="34" charset="0"/>
-                <a:ea typeface="宋体" pitchFamily="2" charset="-122"/>
-              </a:defRPr>
-            </a:lvl3pPr>
-            <a:lvl4pPr marL="1600200" indent="-228600" eaLnBrk="0" hangingPunct="0">
-              <a:defRPr>
-                <a:solidFill>
-                  <a:schemeClr val="tx1"/>
-                </a:solidFill>
-                <a:latin typeface="Arial" pitchFamily="34" charset="0"/>
-                <a:ea typeface="宋体" pitchFamily="2" charset="-122"/>
-              </a:defRPr>
-            </a:lvl4pPr>
-            <a:lvl5pPr marL="2057400" indent="-228600" eaLnBrk="0" hangingPunct="0">
-              <a:defRPr>
-                <a:solidFill>
-                  <a:schemeClr val="tx1"/>
-                </a:solidFill>
-                <a:latin typeface="Arial" pitchFamily="34" charset="0"/>
-                <a:ea typeface="宋体" pitchFamily="2" charset="-122"/>
-              </a:defRPr>
-            </a:lvl5pPr>
-            <a:lvl6pPr marL="2514600" indent="-228600" eaLnBrk="0" fontAlgn="base" hangingPunct="0">
-              <a:spcBef>
-                <a:spcPct val="0"/>
-              </a:spcBef>
-              <a:spcAft>
-                <a:spcPct val="0"/>
-              </a:spcAft>
-              <a:defRPr>
-                <a:solidFill>
-                  <a:schemeClr val="tx1"/>
-                </a:solidFill>
-                <a:latin typeface="Arial" pitchFamily="34" charset="0"/>
-                <a:ea typeface="宋体" pitchFamily="2" charset="-122"/>
-              </a:defRPr>
-            </a:lvl6pPr>
-            <a:lvl7pPr marL="2971800" indent="-228600" eaLnBrk="0" fontAlgn="base" hangingPunct="0">
-              <a:spcBef>
-                <a:spcPct val="0"/>
-              </a:spcBef>
-              <a:spcAft>
-                <a:spcPct val="0"/>
-              </a:spcAft>
-              <a:defRPr>
-                <a:solidFill>
-                  <a:schemeClr val="tx1"/>
-                </a:solidFill>
-                <a:latin typeface="Arial" pitchFamily="34" charset="0"/>
-                <a:ea typeface="宋体" pitchFamily="2" charset="-122"/>
-              </a:defRPr>
-            </a:lvl7pPr>
-            <a:lvl8pPr marL="3429000" indent="-228600" eaLnBrk="0" fontAlgn="base" hangingPunct="0">
-              <a:spcBef>
-                <a:spcPct val="0"/>
-              </a:spcBef>
-              <a:spcAft>
-                <a:spcPct val="0"/>
-              </a:spcAft>
-              <a:defRPr>
-                <a:solidFill>
-                  <a:schemeClr val="tx1"/>
-                </a:solidFill>
-                <a:latin typeface="Arial" pitchFamily="34" charset="0"/>
-                <a:ea typeface="宋体" pitchFamily="2" charset="-122"/>
-              </a:defRPr>
-            </a:lvl8pPr>
-            <a:lvl9pPr marL="3886200" indent="-228600" eaLnBrk="0" fontAlgn="base" hangingPunct="0">
-              <a:spcBef>
-                <a:spcPct val="0"/>
-              </a:spcBef>
-              <a:spcAft>
-                <a:spcPct val="0"/>
-              </a:spcAft>
-              <a:defRPr>
-                <a:solidFill>
-                  <a:schemeClr val="tx1"/>
-                </a:solidFill>
-                <a:latin typeface="Arial" pitchFamily="34" charset="0"/>
-                <a:ea typeface="宋体" pitchFamily="2" charset="-122"/>
-              </a:defRPr>
-            </a:lvl9pPr>
-          </a:lstStyle>
-          <a:p>
-            <a:pPr eaLnBrk="1" hangingPunct="1">
-              <a:spcBef>
-                <a:spcPct val="20000"/>
-              </a:spcBef>
-              <a:buClr>
-                <a:srgbClr val="CC0000"/>
-              </a:buClr>
-              <a:buSzPct val="75000"/>
-              <a:buFont typeface="Wingdings" pitchFamily="2" charset="2"/>
-              <a:buChar char="v"/>
-              <a:defRPr/>
-            </a:pPr>
-            <a:r>
-              <a:rPr kumimoji="1" lang="zh-CN" altLang="en-US" sz="3200" dirty="0">
-                <a:solidFill>
-                  <a:schemeClr val="accent4">
-                    <a:lumMod val="90000"/>
-                    <a:lumOff val="10000"/>
-                  </a:schemeClr>
-                </a:solidFill>
-                <a:latin typeface="楷体_GB2312"/>
-                <a:ea typeface="楷体_GB2312"/>
-                <a:cs typeface="楷体_GB2312"/>
-              </a:rPr>
-              <a:t>实验环境：</a:t>
-            </a:r>
-            <a:r>
-              <a:rPr kumimoji="1" lang="en-US" altLang="zh-CN" sz="3200" dirty="0" err="1">
-                <a:solidFill>
-                  <a:schemeClr val="accent4">
-                    <a:lumMod val="90000"/>
-                    <a:lumOff val="10000"/>
-                  </a:schemeClr>
-                </a:solidFill>
-                <a:latin typeface="楷体_GB2312"/>
-                <a:ea typeface="楷体_GB2312"/>
-                <a:cs typeface="楷体_GB2312"/>
-              </a:rPr>
-              <a:t>CodeBlocks</a:t>
-            </a:r>
-            <a:r>
-              <a:rPr kumimoji="1" lang="en-US" altLang="zh-CN" sz="3200" dirty="0">
-                <a:solidFill>
-                  <a:schemeClr val="accent4">
-                    <a:lumMod val="90000"/>
-                    <a:lumOff val="10000"/>
-                  </a:schemeClr>
-                </a:solidFill>
-                <a:latin typeface="楷体_GB2312"/>
-                <a:ea typeface="楷体_GB2312"/>
-                <a:cs typeface="楷体_GB2312"/>
-              </a:rPr>
-              <a:t>/DEV C++…</a:t>
-            </a:r>
-          </a:p>
-          <a:p>
-            <a:pPr algn="just" eaLnBrk="1" hangingPunct="1">
-              <a:spcBef>
-                <a:spcPct val="20000"/>
-              </a:spcBef>
-              <a:buClr>
-                <a:srgbClr val="CC0000"/>
-              </a:buClr>
-              <a:buSzPct val="75000"/>
-              <a:buFont typeface="Wingdings" pitchFamily="2" charset="2"/>
-              <a:buChar char="v"/>
-              <a:defRPr/>
-            </a:pPr>
-            <a:r>
-              <a:rPr kumimoji="1" lang="zh-CN" altLang="en-US" sz="3200" dirty="0">
-                <a:solidFill>
-                  <a:schemeClr val="accent4">
-                    <a:lumMod val="90000"/>
-                    <a:lumOff val="10000"/>
-                  </a:schemeClr>
-                </a:solidFill>
-                <a:latin typeface="楷体_GB2312"/>
-                <a:ea typeface="楷体_GB2312"/>
-                <a:cs typeface="楷体_GB2312"/>
-              </a:rPr>
-              <a:t>实验安排：</a:t>
-            </a:r>
-          </a:p>
-          <a:p>
-            <a:pPr algn="just" eaLnBrk="1" hangingPunct="1">
-              <a:spcBef>
-                <a:spcPct val="20000"/>
-              </a:spcBef>
-              <a:buClr>
-                <a:schemeClr val="folHlink"/>
-              </a:buClr>
-              <a:buSzPct val="75000"/>
-              <a:buFont typeface="Wingdings" pitchFamily="2" charset="2"/>
-              <a:buNone/>
-              <a:defRPr/>
-            </a:pPr>
-            <a:r>
-              <a:rPr kumimoji="1" lang="zh-CN" altLang="en-US" sz="3200" dirty="0">
-                <a:solidFill>
-                  <a:schemeClr val="accent4">
-                    <a:lumMod val="90000"/>
-                    <a:lumOff val="10000"/>
-                  </a:schemeClr>
-                </a:solidFill>
-                <a:latin typeface="楷体_GB2312"/>
-                <a:ea typeface="楷体_GB2312"/>
-                <a:cs typeface="楷体_GB2312"/>
-              </a:rPr>
-              <a:t>    </a:t>
-            </a:r>
-            <a:r>
-              <a:rPr kumimoji="1" lang="zh-CN" altLang="en-US" sz="2800" dirty="0">
-                <a:solidFill>
-                  <a:schemeClr val="accent4">
-                    <a:lumMod val="90000"/>
-                    <a:lumOff val="10000"/>
-                  </a:schemeClr>
-                </a:solidFill>
-                <a:latin typeface="楷体_GB2312"/>
-                <a:ea typeface="楷体_GB2312"/>
-                <a:cs typeface="楷体_GB2312"/>
-              </a:rPr>
-              <a:t>实验一为个人实验，实验二</a:t>
-            </a:r>
-            <a:r>
-              <a:rPr kumimoji="1" lang="en-US" altLang="zh-CN" sz="2800" dirty="0">
-                <a:solidFill>
-                  <a:schemeClr val="accent4">
-                    <a:lumMod val="90000"/>
-                    <a:lumOff val="10000"/>
-                  </a:schemeClr>
-                </a:solidFill>
-                <a:latin typeface="楷体_GB2312"/>
-                <a:ea typeface="楷体_GB2312"/>
-                <a:cs typeface="楷体_GB2312"/>
-              </a:rPr>
-              <a:t>~</a:t>
-            </a:r>
-            <a:r>
-              <a:rPr kumimoji="1" lang="zh-CN" altLang="en-US" sz="2800" dirty="0">
-                <a:solidFill>
-                  <a:schemeClr val="accent4">
-                    <a:lumMod val="90000"/>
-                    <a:lumOff val="10000"/>
-                  </a:schemeClr>
-                </a:solidFill>
-                <a:latin typeface="楷体_GB2312"/>
-                <a:ea typeface="楷体_GB2312"/>
-                <a:cs typeface="楷体_GB2312"/>
-              </a:rPr>
-              <a:t>五为小组实验。</a:t>
-            </a:r>
-          </a:p>
-          <a:p>
-            <a:pPr algn="just" eaLnBrk="1" hangingPunct="1">
-              <a:spcBef>
-                <a:spcPct val="20000"/>
-              </a:spcBef>
-              <a:buClr>
-                <a:srgbClr val="CC0000"/>
-              </a:buClr>
-              <a:buSzPct val="75000"/>
-              <a:buFont typeface="Wingdings" pitchFamily="2" charset="2"/>
-              <a:buChar char="v"/>
-              <a:defRPr/>
-            </a:pPr>
-            <a:r>
-              <a:rPr kumimoji="1" lang="zh-CN" altLang="en-US" sz="3200" dirty="0">
-                <a:solidFill>
-                  <a:schemeClr val="accent4">
-                    <a:lumMod val="90000"/>
-                    <a:lumOff val="10000"/>
-                  </a:schemeClr>
-                </a:solidFill>
-                <a:latin typeface="楷体_GB2312"/>
-                <a:ea typeface="楷体_GB2312"/>
-                <a:cs typeface="楷体_GB2312"/>
-              </a:rPr>
-              <a:t>实验时间和地点：</a:t>
-            </a:r>
-            <a:endParaRPr kumimoji="1" lang="en-US" altLang="zh-CN" sz="3200" dirty="0">
-              <a:solidFill>
-                <a:schemeClr val="accent4">
-                  <a:lumMod val="90000"/>
-                  <a:lumOff val="10000"/>
-                </a:schemeClr>
-              </a:solidFill>
-              <a:latin typeface="楷体_GB2312"/>
-              <a:ea typeface="楷体_GB2312"/>
-              <a:cs typeface="楷体_GB2312"/>
-            </a:endParaRPr>
-          </a:p>
-          <a:p>
-            <a:pPr algn="just" eaLnBrk="1" hangingPunct="1">
-              <a:spcBef>
-                <a:spcPct val="20000"/>
-              </a:spcBef>
-              <a:buClr>
-                <a:schemeClr val="folHlink"/>
-              </a:buClr>
-              <a:buSzPct val="75000"/>
-              <a:defRPr/>
-            </a:pPr>
-            <a:r>
-              <a:rPr kumimoji="1" lang="en-US" altLang="zh-CN" sz="2800" dirty="0">
-                <a:solidFill>
-                  <a:schemeClr val="accent4">
-                    <a:lumMod val="90000"/>
-                    <a:lumOff val="10000"/>
-                  </a:schemeClr>
-                </a:solidFill>
-                <a:latin typeface="楷体_GB2312"/>
-                <a:ea typeface="楷体_GB2312"/>
-                <a:cs typeface="楷体_GB2312"/>
-              </a:rPr>
-              <a:t>	</a:t>
-            </a:r>
-            <a:r>
-              <a:rPr kumimoji="1" lang="zh-CN" altLang="en-US" sz="2800" dirty="0">
-                <a:solidFill>
-                  <a:schemeClr val="accent4">
-                    <a:lumMod val="90000"/>
-                    <a:lumOff val="10000"/>
-                  </a:schemeClr>
-                </a:solidFill>
-                <a:latin typeface="楷体_GB2312"/>
-                <a:ea typeface="楷体_GB2312"/>
-                <a:cs typeface="楷体_GB2312"/>
-              </a:rPr>
-              <a:t>周三</a:t>
-            </a:r>
-            <a:r>
-              <a:rPr kumimoji="1" lang="en-US" altLang="zh-CN" sz="2800" dirty="0">
-                <a:solidFill>
-                  <a:schemeClr val="accent4">
-                    <a:lumMod val="90000"/>
-                    <a:lumOff val="10000"/>
-                  </a:schemeClr>
-                </a:solidFill>
-                <a:latin typeface="楷体_GB2312"/>
-                <a:ea typeface="楷体_GB2312"/>
-                <a:cs typeface="楷体_GB2312"/>
-              </a:rPr>
-              <a:t>1-2</a:t>
-            </a:r>
-            <a:r>
-              <a:rPr kumimoji="1" lang="zh-CN" altLang="en-US" sz="2800">
-                <a:solidFill>
-                  <a:schemeClr val="accent4">
-                    <a:lumMod val="90000"/>
-                    <a:lumOff val="10000"/>
-                  </a:schemeClr>
-                </a:solidFill>
-                <a:latin typeface="楷体_GB2312"/>
-                <a:ea typeface="楷体_GB2312"/>
-                <a:cs typeface="楷体_GB2312"/>
-              </a:rPr>
-              <a:t>、</a:t>
-            </a:r>
-            <a:r>
-              <a:rPr kumimoji="1" lang="en-US" altLang="zh-CN" sz="2800">
-                <a:solidFill>
-                  <a:schemeClr val="accent4">
-                    <a:lumMod val="90000"/>
-                    <a:lumOff val="10000"/>
-                  </a:schemeClr>
-                </a:solidFill>
-                <a:latin typeface="楷体_GB2312"/>
-                <a:ea typeface="楷体_GB2312"/>
-                <a:cs typeface="楷体_GB2312"/>
-              </a:rPr>
-              <a:t>D406</a:t>
-            </a:r>
-            <a:endParaRPr kumimoji="1" lang="en-US" altLang="zh-CN" sz="2800" dirty="0">
-              <a:solidFill>
-                <a:schemeClr val="accent4">
-                  <a:lumMod val="90000"/>
-                  <a:lumOff val="10000"/>
-                </a:schemeClr>
-              </a:solidFill>
-              <a:latin typeface="楷体_GB2312"/>
-              <a:ea typeface="楷体_GB2312"/>
-              <a:cs typeface="楷体_GB2312"/>
-            </a:endParaRPr>
-          </a:p>
-          <a:p>
-            <a:pPr algn="just" eaLnBrk="1" hangingPunct="1">
-              <a:spcBef>
-                <a:spcPct val="20000"/>
-              </a:spcBef>
-              <a:buClr>
-                <a:srgbClr val="CC0000"/>
-              </a:buClr>
-              <a:buSzPct val="75000"/>
-              <a:buFont typeface="Wingdings" pitchFamily="2" charset="2"/>
-              <a:buChar char="v"/>
-              <a:defRPr/>
-            </a:pPr>
-            <a:r>
-              <a:rPr kumimoji="1" lang="zh-CN" altLang="en-US" sz="3200" dirty="0">
-                <a:solidFill>
-                  <a:schemeClr val="accent4">
-                    <a:lumMod val="90000"/>
-                    <a:lumOff val="10000"/>
-                  </a:schemeClr>
-                </a:solidFill>
-                <a:latin typeface="楷体_GB2312"/>
-                <a:ea typeface="楷体_GB2312"/>
-                <a:cs typeface="楷体_GB2312"/>
-              </a:rPr>
-              <a:t>实验要求：</a:t>
-            </a:r>
-          </a:p>
-          <a:p>
-            <a:pPr algn="just" eaLnBrk="1" hangingPunct="1">
-              <a:spcBef>
-                <a:spcPct val="20000"/>
-              </a:spcBef>
-              <a:buClr>
-                <a:schemeClr val="folHlink"/>
-              </a:buClr>
-              <a:buSzPct val="75000"/>
-              <a:buFont typeface="Wingdings" pitchFamily="2" charset="2"/>
-              <a:buNone/>
-              <a:defRPr/>
-            </a:pPr>
-            <a:r>
-              <a:rPr kumimoji="1" lang="zh-CN" altLang="en-US" sz="3200" dirty="0">
-                <a:solidFill>
-                  <a:schemeClr val="accent4">
-                    <a:lumMod val="90000"/>
-                    <a:lumOff val="10000"/>
-                  </a:schemeClr>
-                </a:solidFill>
-                <a:latin typeface="楷体_GB2312"/>
-                <a:ea typeface="楷体_GB2312"/>
-                <a:cs typeface="楷体_GB2312"/>
-              </a:rPr>
-              <a:t>    </a:t>
-            </a:r>
-            <a:r>
-              <a:rPr kumimoji="1" lang="zh-CN" altLang="en-US" sz="2800" dirty="0">
-                <a:solidFill>
-                  <a:schemeClr val="accent4">
-                    <a:lumMod val="90000"/>
-                    <a:lumOff val="10000"/>
-                  </a:schemeClr>
-                </a:solidFill>
-                <a:latin typeface="楷体_GB2312"/>
-                <a:ea typeface="楷体_GB2312"/>
-                <a:cs typeface="楷体_GB2312"/>
-              </a:rPr>
-              <a:t>实验前必须充分准备 </a:t>
-            </a:r>
-          </a:p>
-          <a:p>
-            <a:pPr algn="just" eaLnBrk="1" hangingPunct="1">
-              <a:spcBef>
-                <a:spcPct val="20000"/>
-              </a:spcBef>
-              <a:buClr>
-                <a:schemeClr val="folHlink"/>
-              </a:buClr>
-              <a:buSzPct val="75000"/>
-              <a:buFont typeface="Wingdings" pitchFamily="2" charset="2"/>
-              <a:buNone/>
-              <a:defRPr/>
-            </a:pPr>
-            <a:r>
-              <a:rPr kumimoji="1" lang="zh-CN" altLang="en-US" sz="2800" dirty="0">
-                <a:solidFill>
-                  <a:schemeClr val="accent4">
-                    <a:lumMod val="90000"/>
-                    <a:lumOff val="10000"/>
-                  </a:schemeClr>
-                </a:solidFill>
-                <a:latin typeface="楷体_GB2312"/>
-                <a:ea typeface="楷体_GB2312"/>
-                <a:cs typeface="楷体_GB2312"/>
-              </a:rPr>
-              <a:t>     小组分工协作完成，</a:t>
-            </a:r>
-          </a:p>
-          <a:p>
-            <a:pPr algn="just" eaLnBrk="1" hangingPunct="1">
-              <a:spcBef>
-                <a:spcPct val="20000"/>
-              </a:spcBef>
-              <a:buClr>
-                <a:schemeClr val="folHlink"/>
-              </a:buClr>
-              <a:buSzPct val="75000"/>
-              <a:buFont typeface="Wingdings" pitchFamily="2" charset="2"/>
-              <a:buNone/>
-              <a:defRPr/>
-            </a:pPr>
-            <a:r>
-              <a:rPr kumimoji="1" lang="zh-CN" altLang="en-US" sz="2800" dirty="0">
-                <a:solidFill>
-                  <a:schemeClr val="accent4">
-                    <a:lumMod val="90000"/>
-                    <a:lumOff val="10000"/>
-                  </a:schemeClr>
-                </a:solidFill>
-                <a:latin typeface="楷体_GB2312"/>
-                <a:ea typeface="楷体_GB2312"/>
-                <a:cs typeface="楷体_GB2312"/>
-              </a:rPr>
-              <a:t>     通过检查后整理并交实验报告</a:t>
-            </a:r>
-            <a:endParaRPr kumimoji="1" lang="en-US" altLang="zh-CN" sz="2800" dirty="0">
-              <a:solidFill>
-                <a:schemeClr val="accent4">
-                  <a:lumMod val="90000"/>
-                  <a:lumOff val="10000"/>
-                </a:schemeClr>
-              </a:solidFill>
-              <a:latin typeface="楷体_GB2312"/>
-              <a:ea typeface="楷体_GB2312"/>
-              <a:cs typeface="楷体_GB2312"/>
-            </a:endParaRPr>
-          </a:p>
-        </p:txBody>
-      </p:sp>
-    </p:spTree>
-    <p:extLst>
-      <p:ext uri="{BB962C8B-B14F-4D97-AF65-F5344CB8AC3E}">
-        <p14:creationId xmlns:p14="http://schemas.microsoft.com/office/powerpoint/2010/main" val="395122889"/>
-      </p:ext>
-    </p:extLst>
-  </p:cSld>
-  <p:clrMapOvr>
-    <a:masterClrMapping/>
-  </p:clrMapOvr>
-  <p:transition>
-    <p:wipe dir="r"/>
-  </p:transition>
-</p:sld>
-</file>
-
-<file path=ppt/slides/slide4.xml><?xml version="1.0" encoding="utf-8"?>
-<p:sld xmlns:a="http://schemas.openxmlformats.org/drawingml/2006/main" xmlns:r="http://schemas.openxmlformats.org/officeDocument/2006/relationships" xmlns:p="http://schemas.openxmlformats.org/presentationml/2006/main">
-  <p:cSld>
-    <p:spTree>
-      <p:nvGrpSpPr>
-        <p:cNvPr id="1" name=""/>
-        <p:cNvGrpSpPr/>
-        <p:nvPr/>
-      </p:nvGrpSpPr>
-      <p:grpSpPr>
-        <a:xfrm>
-          <a:off x="0" y="0"/>
-          <a:ext cx="0" cy="0"/>
-          <a:chOff x="0" y="0"/>
-          <a:chExt cx="0" cy="0"/>
-        </a:xfrm>
-      </p:grpSpPr>
-      <p:sp>
-        <p:nvSpPr>
-          <p:cNvPr id="11266" name="Rectangle 2">
-            <a:extLst>
-              <a:ext uri="{FF2B5EF4-FFF2-40B4-BE49-F238E27FC236}">
-                <a16:creationId xmlns:a16="http://schemas.microsoft.com/office/drawing/2014/main" id="{D3FDAD8A-0AD8-436D-B7C8-86FD7B6E5F4E}"/>
-              </a:ext>
-            </a:extLst>
-          </p:cNvPr>
-          <p:cNvSpPr>
-            <a:spLocks noGrp="1" noChangeArrowheads="1"/>
-          </p:cNvSpPr>
-          <p:nvPr>
-            <p:ph type="title"/>
-          </p:nvPr>
-        </p:nvSpPr>
-        <p:spPr>
-          <a:xfrm>
-            <a:off x="993775" y="142875"/>
-            <a:ext cx="7754938" cy="838200"/>
-          </a:xfrm>
-        </p:spPr>
-        <p:txBody>
-          <a:bodyPr/>
-          <a:lstStyle/>
-          <a:p>
-            <a:pPr eaLnBrk="1" hangingPunct="1"/>
-            <a:r>
-              <a:rPr lang="zh-CN" altLang="en-US" dirty="0">
-                <a:solidFill>
-                  <a:schemeClr val="tx2"/>
-                </a:solidFill>
-                <a:latin typeface="华文彩云" panose="02010800040101010101" pitchFamily="2" charset="-122"/>
-                <a:ea typeface="华文彩云" panose="02010800040101010101" pitchFamily="2" charset="-122"/>
-              </a:rPr>
-              <a:t>课程研讨</a:t>
+              <a:t>小组研讨</a:t>
             </a:r>
           </a:p>
         </p:txBody>
@@ -7873,104 +6872,29 @@
           </a:p>
         </p:txBody>
       </p:sp>
-    </p:spTree>
-    <p:extLst>
-      <p:ext uri="{BB962C8B-B14F-4D97-AF65-F5344CB8AC3E}">
-        <p14:creationId xmlns:p14="http://schemas.microsoft.com/office/powerpoint/2010/main" val="2313778262"/>
-      </p:ext>
-    </p:extLst>
-  </p:cSld>
-  <p:clrMapOvr>
-    <a:masterClrMapping/>
-  </p:clrMapOvr>
-  <p:transition>
-    <p:wipe dir="r"/>
-  </p:transition>
-</p:sld>
-</file>
-
-<file path=ppt/slides/slide5.xml><?xml version="1.0" encoding="utf-8"?>
-<p:sld xmlns:a="http://schemas.openxmlformats.org/drawingml/2006/main" xmlns:r="http://schemas.openxmlformats.org/officeDocument/2006/relationships" xmlns:p="http://schemas.openxmlformats.org/presentationml/2006/main">
-  <p:cSld>
-    <p:spTree>
-      <p:nvGrpSpPr>
-        <p:cNvPr id="1" name=""/>
-        <p:cNvGrpSpPr/>
-        <p:nvPr/>
-      </p:nvGrpSpPr>
-      <p:grpSpPr>
-        <a:xfrm>
-          <a:off x="0" y="0"/>
-          <a:ext cx="0" cy="0"/>
-          <a:chOff x="0" y="0"/>
-          <a:chExt cx="0" cy="0"/>
-        </a:xfrm>
-      </p:grpSpPr>
       <p:sp>
         <p:nvSpPr>
-          <p:cNvPr id="14338" name="Rectangle 2">
+          <p:cNvPr id="2" name="AutoShape 2">
             <a:extLst>
               <a:ext uri="{FF2B5EF4-FFF2-40B4-BE49-F238E27FC236}">
-                <a16:creationId xmlns:a16="http://schemas.microsoft.com/office/drawing/2014/main" id="{56F1492D-57C9-4876-9B2E-0A50E15E4D1A}"/>
+                <a16:creationId xmlns:a16="http://schemas.microsoft.com/office/drawing/2014/main" id="{5514B7FE-35D5-AD40-9860-D126EB0EBC2B}"/>
               </a:ext>
             </a:extLst>
           </p:cNvPr>
           <p:cNvSpPr>
-            <a:spLocks noGrp="1" noChangeArrowheads="1"/>
-          </p:cNvSpPr>
-          <p:nvPr>
-            <p:ph type="title"/>
-          </p:nvPr>
-        </p:nvSpPr>
-        <p:spPr>
-          <a:xfrm>
-            <a:off x="993775" y="142875"/>
-            <a:ext cx="7754938" cy="838200"/>
-          </a:xfrm>
-        </p:spPr>
-        <p:txBody>
-          <a:bodyPr/>
-          <a:lstStyle/>
-          <a:p>
-            <a:pPr eaLnBrk="1" hangingPunct="1">
-              <a:defRPr/>
-            </a:pPr>
-            <a:r>
-              <a:rPr lang="zh-CN" altLang="en-US" dirty="0">
-                <a:latin typeface="华文彩云" pitchFamily="2" charset="-122"/>
-                <a:ea typeface="华文彩云" pitchFamily="2" charset="-122"/>
-              </a:rPr>
-              <a:t>考 核 方 式</a:t>
-            </a:r>
-          </a:p>
-        </p:txBody>
-      </p:sp>
-      <p:sp>
-        <p:nvSpPr>
-          <p:cNvPr id="14339" name="Text Box 4">
-            <a:extLst>
-              <a:ext uri="{FF2B5EF4-FFF2-40B4-BE49-F238E27FC236}">
-                <a16:creationId xmlns:a16="http://schemas.microsoft.com/office/drawing/2014/main" id="{C46CE4CC-64C8-44D3-BA75-BC0B5B4DDBC2}"/>
-              </a:ext>
-            </a:extLst>
-          </p:cNvPr>
-          <p:cNvSpPr txBox="1">
-            <a:spLocks noChangeArrowheads="1"/>
+            <a:spLocks noChangeAspect="1" noChangeArrowheads="1"/>
           </p:cNvSpPr>
           <p:nvPr/>
         </p:nvSpPr>
         <p:spPr bwMode="auto">
           <a:xfrm>
-            <a:off x="608013" y="1412875"/>
-            <a:ext cx="8229600" cy="5016758"/>
+            <a:off x="4419600" y="3276600"/>
+            <a:ext cx="304800" cy="304800"/>
           </a:xfrm>
           <a:prstGeom prst="rect">
             <a:avLst/>
           </a:prstGeom>
           <a:noFill/>
-          <a:ln>
-            <a:noFill/>
-          </a:ln>
           <a:extLst>
             <a:ext uri="{909E8E84-426E-40DD-AFC4-6F175D3DCCD1}">
               <a14:hiddenFill xmlns:a14="http://schemas.microsoft.com/office/drawing/2010/main">
@@ -7978,817 +6902,25 @@
                   <a:srgbClr val="FFFFFF"/>
                 </a:solidFill>
               </a14:hiddenFill>
-            </a:ext>
-            <a:ext uri="{91240B29-F687-4F45-9708-019B960494DF}">
-              <a14:hiddenLine xmlns:a14="http://schemas.microsoft.com/office/drawing/2010/main" w="9525">
-                <a:solidFill>
-                  <a:srgbClr val="000000"/>
-                </a:solidFill>
-                <a:miter lim="800000"/>
-                <a:headEnd/>
-                <a:tailEnd/>
-              </a14:hiddenLine>
             </a:ext>
           </a:extLst>
         </p:spPr>
         <p:txBody>
-          <a:bodyPr>
-            <a:spAutoFit/>
+          <a:bodyPr vert="horz" wrap="square" lIns="91440" tIns="45720" rIns="91440" bIns="45720" numCol="1" anchor="t" anchorCtr="0" compatLnSpc="1">
+            <a:prstTxWarp prst="textNoShape">
+              <a:avLst/>
+            </a:prstTxWarp>
           </a:bodyPr>
-          <a:lstStyle>
-            <a:lvl1pPr eaLnBrk="0" hangingPunct="0">
-              <a:defRPr>
-                <a:solidFill>
-                  <a:schemeClr val="tx1"/>
-                </a:solidFill>
-                <a:latin typeface="Arial" pitchFamily="34" charset="0"/>
-                <a:ea typeface="宋体" pitchFamily="2" charset="-122"/>
-              </a:defRPr>
-            </a:lvl1pPr>
-            <a:lvl2pPr marL="742950" indent="-285750" eaLnBrk="0" hangingPunct="0">
-              <a:defRPr>
-                <a:solidFill>
-                  <a:schemeClr val="tx1"/>
-                </a:solidFill>
-                <a:latin typeface="Arial" pitchFamily="34" charset="0"/>
-                <a:ea typeface="宋体" pitchFamily="2" charset="-122"/>
-              </a:defRPr>
-            </a:lvl2pPr>
-            <a:lvl3pPr marL="1143000" indent="-228600" eaLnBrk="0" hangingPunct="0">
-              <a:defRPr>
-                <a:solidFill>
-                  <a:schemeClr val="tx1"/>
-                </a:solidFill>
-                <a:latin typeface="Arial" pitchFamily="34" charset="0"/>
-                <a:ea typeface="宋体" pitchFamily="2" charset="-122"/>
-              </a:defRPr>
-            </a:lvl3pPr>
-            <a:lvl4pPr marL="1600200" indent="-228600" eaLnBrk="0" hangingPunct="0">
-              <a:defRPr>
-                <a:solidFill>
-                  <a:schemeClr val="tx1"/>
-                </a:solidFill>
-                <a:latin typeface="Arial" pitchFamily="34" charset="0"/>
-                <a:ea typeface="宋体" pitchFamily="2" charset="-122"/>
-              </a:defRPr>
-            </a:lvl4pPr>
-            <a:lvl5pPr marL="2057400" indent="-228600" eaLnBrk="0" hangingPunct="0">
-              <a:defRPr>
-                <a:solidFill>
-                  <a:schemeClr val="tx1"/>
-                </a:solidFill>
-                <a:latin typeface="Arial" pitchFamily="34" charset="0"/>
-                <a:ea typeface="宋体" pitchFamily="2" charset="-122"/>
-              </a:defRPr>
-            </a:lvl5pPr>
-            <a:lvl6pPr marL="2514600" indent="-228600" eaLnBrk="0" fontAlgn="base" hangingPunct="0">
-              <a:spcBef>
-                <a:spcPct val="0"/>
-              </a:spcBef>
-              <a:spcAft>
-                <a:spcPct val="0"/>
-              </a:spcAft>
-              <a:defRPr>
-                <a:solidFill>
-                  <a:schemeClr val="tx1"/>
-                </a:solidFill>
-                <a:latin typeface="Arial" pitchFamily="34" charset="0"/>
-                <a:ea typeface="宋体" pitchFamily="2" charset="-122"/>
-              </a:defRPr>
-            </a:lvl6pPr>
-            <a:lvl7pPr marL="2971800" indent="-228600" eaLnBrk="0" fontAlgn="base" hangingPunct="0">
-              <a:spcBef>
-                <a:spcPct val="0"/>
-              </a:spcBef>
-              <a:spcAft>
-                <a:spcPct val="0"/>
-              </a:spcAft>
-              <a:defRPr>
-                <a:solidFill>
-                  <a:schemeClr val="tx1"/>
-                </a:solidFill>
-                <a:latin typeface="Arial" pitchFamily="34" charset="0"/>
-                <a:ea typeface="宋体" pitchFamily="2" charset="-122"/>
-              </a:defRPr>
-            </a:lvl7pPr>
-            <a:lvl8pPr marL="3429000" indent="-228600" eaLnBrk="0" fontAlgn="base" hangingPunct="0">
-              <a:spcBef>
-                <a:spcPct val="0"/>
-              </a:spcBef>
-              <a:spcAft>
-                <a:spcPct val="0"/>
-              </a:spcAft>
-              <a:defRPr>
-                <a:solidFill>
-                  <a:schemeClr val="tx1"/>
-                </a:solidFill>
-                <a:latin typeface="Arial" pitchFamily="34" charset="0"/>
-                <a:ea typeface="宋体" pitchFamily="2" charset="-122"/>
-              </a:defRPr>
-            </a:lvl8pPr>
-            <a:lvl9pPr marL="3886200" indent="-228600" eaLnBrk="0" fontAlgn="base" hangingPunct="0">
-              <a:spcBef>
-                <a:spcPct val="0"/>
-              </a:spcBef>
-              <a:spcAft>
-                <a:spcPct val="0"/>
-              </a:spcAft>
-              <a:defRPr>
-                <a:solidFill>
-                  <a:schemeClr val="tx1"/>
-                </a:solidFill>
-                <a:latin typeface="Arial" pitchFamily="34" charset="0"/>
-                <a:ea typeface="宋体" pitchFamily="2" charset="-122"/>
-              </a:defRPr>
-            </a:lvl9pPr>
-          </a:lstStyle>
-          <a:p>
-            <a:pPr algn="just" eaLnBrk="1" hangingPunct="1">
-              <a:spcBef>
-                <a:spcPct val="20000"/>
-              </a:spcBef>
-              <a:buClr>
-                <a:srgbClr val="CC0000"/>
-              </a:buClr>
-              <a:buSzPct val="75000"/>
-              <a:buFont typeface="Wingdings" pitchFamily="2" charset="2"/>
-              <a:buChar char="v"/>
-              <a:defRPr/>
-            </a:pPr>
-            <a:r>
-              <a:rPr kumimoji="1" lang="zh-CN" altLang="en-US" sz="3200" dirty="0">
-                <a:solidFill>
-                  <a:schemeClr val="accent4">
-                    <a:lumMod val="90000"/>
-                    <a:lumOff val="10000"/>
-                  </a:schemeClr>
-                </a:solidFill>
-                <a:latin typeface="楷体_GB2312"/>
-                <a:ea typeface="楷体_GB2312"/>
-                <a:cs typeface="楷体_GB2312"/>
-              </a:rPr>
-              <a:t>期末考核：</a:t>
-            </a:r>
-          </a:p>
-          <a:p>
-            <a:pPr algn="just" eaLnBrk="1" hangingPunct="1">
-              <a:spcBef>
-                <a:spcPct val="20000"/>
-              </a:spcBef>
-              <a:buClr>
-                <a:schemeClr val="folHlink"/>
-              </a:buClr>
-              <a:buSzPct val="75000"/>
-              <a:buFont typeface="Wingdings" pitchFamily="2" charset="2"/>
-              <a:buNone/>
-              <a:defRPr/>
-            </a:pPr>
-            <a:r>
-              <a:rPr kumimoji="1" lang="zh-CN" altLang="en-US" sz="2400" dirty="0">
-                <a:solidFill>
-                  <a:schemeClr val="accent4">
-                    <a:lumMod val="90000"/>
-                    <a:lumOff val="10000"/>
-                  </a:schemeClr>
-                </a:solidFill>
-                <a:latin typeface="楷体_GB2312"/>
-                <a:ea typeface="楷体_GB2312"/>
-                <a:cs typeface="楷体_GB2312"/>
-              </a:rPr>
-              <a:t>  笔试：闭卷，答题时限</a:t>
-            </a:r>
-            <a:r>
-              <a:rPr kumimoji="1" lang="en-US" altLang="zh-CN" sz="2400" dirty="0">
-                <a:solidFill>
-                  <a:schemeClr val="accent4">
-                    <a:lumMod val="90000"/>
-                    <a:lumOff val="10000"/>
-                  </a:schemeClr>
-                </a:solidFill>
-                <a:latin typeface="楷体_GB2312"/>
-                <a:ea typeface="楷体_GB2312"/>
-                <a:cs typeface="楷体_GB2312"/>
-              </a:rPr>
-              <a:t>120</a:t>
-            </a:r>
-            <a:r>
-              <a:rPr kumimoji="1" lang="zh-CN" altLang="en-US" sz="2400" dirty="0">
-                <a:solidFill>
-                  <a:schemeClr val="accent4">
-                    <a:lumMod val="90000"/>
-                    <a:lumOff val="10000"/>
-                  </a:schemeClr>
-                </a:solidFill>
-                <a:latin typeface="楷体_GB2312"/>
-                <a:ea typeface="楷体_GB2312"/>
-                <a:cs typeface="楷体_GB2312"/>
-              </a:rPr>
-              <a:t>分钟，占</a:t>
-            </a:r>
-            <a:r>
-              <a:rPr kumimoji="1" lang="en-US" altLang="zh-CN" sz="2400" dirty="0">
-                <a:solidFill>
-                  <a:schemeClr val="accent4">
-                    <a:lumMod val="90000"/>
-                    <a:lumOff val="10000"/>
-                  </a:schemeClr>
-                </a:solidFill>
-                <a:latin typeface="楷体_GB2312"/>
-                <a:ea typeface="楷体_GB2312"/>
-                <a:cs typeface="楷体_GB2312"/>
-              </a:rPr>
-              <a:t>60%</a:t>
-            </a:r>
-            <a:r>
-              <a:rPr kumimoji="1" lang="zh-CN" altLang="en-US" sz="2400" dirty="0">
-                <a:solidFill>
-                  <a:schemeClr val="accent4">
-                    <a:lumMod val="90000"/>
-                    <a:lumOff val="10000"/>
-                  </a:schemeClr>
-                </a:solidFill>
-                <a:latin typeface="楷体_GB2312"/>
-                <a:ea typeface="楷体_GB2312"/>
-                <a:cs typeface="楷体_GB2312"/>
-              </a:rPr>
-              <a:t>；</a:t>
-            </a:r>
-          </a:p>
-          <a:p>
-            <a:pPr algn="just" eaLnBrk="1" hangingPunct="1">
-              <a:spcBef>
-                <a:spcPct val="20000"/>
-              </a:spcBef>
-              <a:buClr>
-                <a:srgbClr val="CC0000"/>
-              </a:buClr>
-              <a:buSzPct val="75000"/>
-              <a:buFont typeface="Wingdings" pitchFamily="2" charset="2"/>
-              <a:buChar char="v"/>
-              <a:defRPr/>
-            </a:pPr>
-            <a:r>
-              <a:rPr kumimoji="1" lang="zh-CN" altLang="en-US" sz="3200" dirty="0">
-                <a:solidFill>
-                  <a:schemeClr val="accent4">
-                    <a:lumMod val="90000"/>
-                    <a:lumOff val="10000"/>
-                  </a:schemeClr>
-                </a:solidFill>
-                <a:latin typeface="楷体_GB2312"/>
-                <a:ea typeface="楷体_GB2312"/>
-                <a:cs typeface="楷体_GB2312"/>
-              </a:rPr>
-              <a:t>研讨成绩</a:t>
-            </a:r>
-            <a:endParaRPr kumimoji="1" lang="en-US" altLang="zh-CN" sz="3200" dirty="0">
-              <a:solidFill>
-                <a:schemeClr val="accent4">
-                  <a:lumMod val="90000"/>
-                  <a:lumOff val="10000"/>
-                </a:schemeClr>
-              </a:solidFill>
-              <a:latin typeface="楷体_GB2312"/>
-              <a:ea typeface="楷体_GB2312"/>
-              <a:cs typeface="楷体_GB2312"/>
-            </a:endParaRPr>
-          </a:p>
-          <a:p>
-            <a:pPr algn="just" eaLnBrk="1" hangingPunct="1">
-              <a:spcBef>
-                <a:spcPct val="20000"/>
-              </a:spcBef>
-              <a:buClr>
-                <a:srgbClr val="CC0000"/>
-              </a:buClr>
-              <a:buSzPct val="75000"/>
-              <a:defRPr/>
-            </a:pPr>
-            <a:r>
-              <a:rPr kumimoji="1" lang="en-US" altLang="zh-CN" sz="2400" dirty="0">
-                <a:solidFill>
-                  <a:schemeClr val="accent4">
-                    <a:lumMod val="90000"/>
-                    <a:lumOff val="10000"/>
-                  </a:schemeClr>
-                </a:solidFill>
-                <a:latin typeface="楷体_GB2312"/>
-                <a:ea typeface="楷体_GB2312"/>
-                <a:cs typeface="楷体_GB2312"/>
-              </a:rPr>
-              <a:t>  </a:t>
-            </a:r>
-            <a:r>
-              <a:rPr kumimoji="1" lang="zh-CN" altLang="en-US" sz="2400" dirty="0">
-                <a:solidFill>
-                  <a:schemeClr val="accent4">
-                    <a:lumMod val="90000"/>
-                    <a:lumOff val="10000"/>
-                  </a:schemeClr>
-                </a:solidFill>
-                <a:latin typeface="楷体_GB2312"/>
-                <a:ea typeface="楷体_GB2312"/>
-                <a:cs typeface="楷体_GB2312"/>
-              </a:rPr>
-              <a:t>小组形式，占</a:t>
-            </a:r>
-            <a:r>
-              <a:rPr kumimoji="1" lang="en-US" altLang="zh-CN" sz="2400" dirty="0">
-                <a:solidFill>
-                  <a:schemeClr val="accent4">
-                    <a:lumMod val="90000"/>
-                    <a:lumOff val="10000"/>
-                  </a:schemeClr>
-                </a:solidFill>
-                <a:latin typeface="楷体_GB2312"/>
-                <a:ea typeface="楷体_GB2312"/>
-                <a:cs typeface="楷体_GB2312"/>
-              </a:rPr>
-              <a:t>10%</a:t>
-            </a:r>
-            <a:r>
-              <a:rPr kumimoji="1" lang="zh-CN" altLang="en-US" sz="2400" dirty="0">
-                <a:solidFill>
-                  <a:schemeClr val="accent4">
-                    <a:lumMod val="90000"/>
-                    <a:lumOff val="10000"/>
-                  </a:schemeClr>
-                </a:solidFill>
-                <a:latin typeface="楷体_GB2312"/>
-                <a:ea typeface="楷体_GB2312"/>
-                <a:cs typeface="楷体_GB2312"/>
-              </a:rPr>
-              <a:t>；</a:t>
-            </a:r>
-            <a:endParaRPr kumimoji="1" lang="en-US" altLang="zh-CN" sz="2400" dirty="0">
-              <a:solidFill>
-                <a:schemeClr val="accent4">
-                  <a:lumMod val="90000"/>
-                  <a:lumOff val="10000"/>
-                </a:schemeClr>
-              </a:solidFill>
-              <a:latin typeface="楷体_GB2312"/>
-              <a:ea typeface="楷体_GB2312"/>
-              <a:cs typeface="楷体_GB2312"/>
-            </a:endParaRPr>
-          </a:p>
-          <a:p>
-            <a:pPr algn="just" eaLnBrk="1" hangingPunct="1">
-              <a:spcBef>
-                <a:spcPct val="20000"/>
-              </a:spcBef>
-              <a:buClr>
-                <a:srgbClr val="CC0000"/>
-              </a:buClr>
-              <a:buSzPct val="75000"/>
-              <a:buFont typeface="Wingdings" pitchFamily="2" charset="2"/>
-              <a:buChar char="v"/>
-              <a:defRPr/>
-            </a:pPr>
-            <a:r>
-              <a:rPr kumimoji="1" lang="zh-CN" altLang="en-US" sz="3200" dirty="0">
-                <a:solidFill>
-                  <a:schemeClr val="accent4">
-                    <a:lumMod val="90000"/>
-                    <a:lumOff val="10000"/>
-                  </a:schemeClr>
-                </a:solidFill>
-                <a:latin typeface="楷体_GB2312"/>
-                <a:ea typeface="楷体_GB2312"/>
-                <a:cs typeface="楷体_GB2312"/>
-              </a:rPr>
-              <a:t>实验成绩：</a:t>
-            </a:r>
-          </a:p>
-          <a:p>
-            <a:pPr algn="just" eaLnBrk="1" hangingPunct="1">
-              <a:spcBef>
-                <a:spcPct val="20000"/>
-              </a:spcBef>
-              <a:buClr>
-                <a:schemeClr val="folHlink"/>
-              </a:buClr>
-              <a:buSzPct val="75000"/>
-              <a:buFont typeface="Wingdings" pitchFamily="2" charset="2"/>
-              <a:buNone/>
-              <a:defRPr/>
-            </a:pPr>
-            <a:r>
-              <a:rPr kumimoji="1" lang="en-US" altLang="zh-CN" sz="2400" dirty="0">
-                <a:solidFill>
-                  <a:schemeClr val="accent4">
-                    <a:lumMod val="90000"/>
-                    <a:lumOff val="10000"/>
-                  </a:schemeClr>
-                </a:solidFill>
-                <a:latin typeface="楷体_GB2312"/>
-                <a:ea typeface="楷体_GB2312"/>
-                <a:cs typeface="楷体_GB2312"/>
-              </a:rPr>
-              <a:t>  </a:t>
-            </a:r>
-            <a:r>
-              <a:rPr kumimoji="1" lang="zh-CN" altLang="en-US" sz="2400" dirty="0">
-                <a:solidFill>
-                  <a:schemeClr val="accent4">
-                    <a:lumMod val="90000"/>
-                    <a:lumOff val="10000"/>
-                  </a:schemeClr>
-                </a:solidFill>
-                <a:latin typeface="楷体_GB2312"/>
-                <a:ea typeface="楷体_GB2312"/>
-                <a:cs typeface="楷体_GB2312"/>
-              </a:rPr>
-              <a:t>四次实验，占</a:t>
-            </a:r>
-            <a:r>
-              <a:rPr kumimoji="1" lang="en-US" altLang="zh-CN" sz="2400" dirty="0">
-                <a:solidFill>
-                  <a:schemeClr val="accent4">
-                    <a:lumMod val="90000"/>
-                    <a:lumOff val="10000"/>
-                  </a:schemeClr>
-                </a:solidFill>
-                <a:latin typeface="楷体_GB2312"/>
-                <a:ea typeface="楷体_GB2312"/>
-                <a:cs typeface="楷体_GB2312"/>
-              </a:rPr>
-              <a:t>20%</a:t>
-            </a:r>
-            <a:r>
-              <a:rPr kumimoji="1" lang="zh-CN" altLang="en-US" sz="2400" dirty="0">
-                <a:solidFill>
-                  <a:schemeClr val="accent4">
-                    <a:lumMod val="90000"/>
-                    <a:lumOff val="10000"/>
-                  </a:schemeClr>
-                </a:solidFill>
-                <a:latin typeface="楷体_GB2312"/>
-                <a:ea typeface="楷体_GB2312"/>
-                <a:cs typeface="楷体_GB2312"/>
-              </a:rPr>
-              <a:t>；</a:t>
-            </a:r>
-            <a:endParaRPr kumimoji="1" lang="en-US" altLang="zh-CN" sz="2400" dirty="0">
-              <a:solidFill>
-                <a:schemeClr val="accent4">
-                  <a:lumMod val="90000"/>
-                  <a:lumOff val="10000"/>
-                </a:schemeClr>
-              </a:solidFill>
-              <a:latin typeface="楷体_GB2312"/>
-              <a:ea typeface="楷体_GB2312"/>
-              <a:cs typeface="楷体_GB2312"/>
-            </a:endParaRPr>
-          </a:p>
-          <a:p>
-            <a:pPr marL="457200" indent="-457200" algn="just" eaLnBrk="1" hangingPunct="1">
-              <a:spcBef>
-                <a:spcPct val="20000"/>
-              </a:spcBef>
-              <a:buClr>
-                <a:srgbClr val="CC0000"/>
-              </a:buClr>
-              <a:buSzPct val="75000"/>
-              <a:buFont typeface="Wingdings" pitchFamily="2" charset="2"/>
-              <a:buChar char="v"/>
-              <a:defRPr/>
-            </a:pPr>
-            <a:r>
-              <a:rPr kumimoji="1" lang="zh-CN" altLang="en-US" sz="3200" dirty="0">
-                <a:solidFill>
-                  <a:schemeClr val="accent4">
-                    <a:lumMod val="90000"/>
-                    <a:lumOff val="10000"/>
-                  </a:schemeClr>
-                </a:solidFill>
-                <a:latin typeface="楷体_GB2312"/>
-                <a:ea typeface="楷体_GB2312"/>
-                <a:cs typeface="楷体_GB2312"/>
-              </a:rPr>
-              <a:t>平时成绩：</a:t>
-            </a:r>
-            <a:endParaRPr kumimoji="1" lang="en-US" altLang="zh-CN" sz="3200" dirty="0">
-              <a:solidFill>
-                <a:schemeClr val="accent4">
-                  <a:lumMod val="90000"/>
-                  <a:lumOff val="10000"/>
-                </a:schemeClr>
-              </a:solidFill>
-              <a:latin typeface="楷体_GB2312"/>
-              <a:ea typeface="楷体_GB2312"/>
-              <a:cs typeface="楷体_GB2312"/>
-            </a:endParaRPr>
-          </a:p>
-          <a:p>
-            <a:pPr algn="just" eaLnBrk="1" hangingPunct="1">
-              <a:spcBef>
-                <a:spcPct val="20000"/>
-              </a:spcBef>
-              <a:buClr>
-                <a:srgbClr val="CC0000"/>
-              </a:buClr>
-              <a:buSzPct val="75000"/>
-              <a:defRPr/>
-            </a:pPr>
-            <a:r>
-              <a:rPr kumimoji="1" lang="en-US" altLang="zh-CN" sz="3200" dirty="0">
-                <a:solidFill>
-                  <a:schemeClr val="accent4">
-                    <a:lumMod val="90000"/>
-                    <a:lumOff val="10000"/>
-                  </a:schemeClr>
-                </a:solidFill>
-                <a:latin typeface="楷体_GB2312"/>
-                <a:ea typeface="楷体_GB2312"/>
-                <a:cs typeface="楷体_GB2312"/>
-              </a:rPr>
-              <a:t>  </a:t>
-            </a:r>
-            <a:r>
-              <a:rPr kumimoji="1" lang="zh-CN" altLang="en-US" sz="2400" dirty="0">
-                <a:solidFill>
-                  <a:schemeClr val="accent4">
-                    <a:lumMod val="90000"/>
-                    <a:lumOff val="10000"/>
-                  </a:schemeClr>
-                </a:solidFill>
-                <a:latin typeface="楷体_GB2312"/>
-                <a:ea typeface="楷体_GB2312"/>
-                <a:cs typeface="楷体_GB2312"/>
-              </a:rPr>
-              <a:t>包括平时作业和考勤，占</a:t>
-            </a:r>
-            <a:r>
-              <a:rPr kumimoji="1" lang="en-US" altLang="zh-CN" sz="2400" dirty="0">
-                <a:solidFill>
-                  <a:schemeClr val="accent4">
-                    <a:lumMod val="90000"/>
-                    <a:lumOff val="10000"/>
-                  </a:schemeClr>
-                </a:solidFill>
-                <a:latin typeface="楷体_GB2312"/>
-                <a:ea typeface="楷体_GB2312"/>
-                <a:cs typeface="楷体_GB2312"/>
-              </a:rPr>
-              <a:t>10%</a:t>
-            </a:r>
-            <a:r>
-              <a:rPr kumimoji="1" lang="zh-CN" altLang="en-US" sz="2400" dirty="0">
-                <a:solidFill>
-                  <a:schemeClr val="accent4">
-                    <a:lumMod val="90000"/>
-                    <a:lumOff val="10000"/>
-                  </a:schemeClr>
-                </a:solidFill>
-                <a:latin typeface="楷体_GB2312"/>
-                <a:ea typeface="楷体_GB2312"/>
-                <a:cs typeface="楷体_GB2312"/>
-              </a:rPr>
-              <a:t>。</a:t>
-            </a:r>
-          </a:p>
-          <a:p>
-            <a:pPr eaLnBrk="1" hangingPunct="1">
-              <a:spcBef>
-                <a:spcPct val="50000"/>
-              </a:spcBef>
-              <a:defRPr/>
-            </a:pPr>
-            <a:endParaRPr kumimoji="1" lang="en-US" altLang="zh-CN" sz="3200" dirty="0">
-              <a:solidFill>
-                <a:srgbClr val="660033"/>
-              </a:solidFill>
-              <a:latin typeface="楷体_GB2312"/>
-              <a:ea typeface="楷体_GB2312"/>
-              <a:cs typeface="楷体_GB2312"/>
-            </a:endParaRPr>
+          <a:lstStyle/>
+          <a:p>
+            <a:endParaRPr lang="en-CN"/>
           </a:p>
         </p:txBody>
       </p:sp>
     </p:spTree>
     <p:extLst>
       <p:ext uri="{BB962C8B-B14F-4D97-AF65-F5344CB8AC3E}">
-        <p14:creationId xmlns:p14="http://schemas.microsoft.com/office/powerpoint/2010/main" val="2128257582"/>
-      </p:ext>
-    </p:extLst>
-  </p:cSld>
-  <p:clrMapOvr>
-    <a:masterClrMapping/>
-  </p:clrMapOvr>
-  <p:transition>
-    <p:wipe dir="r"/>
-  </p:transition>
-</p:sld>
-</file>
-
-<file path=ppt/slides/slide6.xml><?xml version="1.0" encoding="utf-8"?>
-<p:sld xmlns:a="http://schemas.openxmlformats.org/drawingml/2006/main" xmlns:r="http://schemas.openxmlformats.org/officeDocument/2006/relationships" xmlns:p="http://schemas.openxmlformats.org/presentationml/2006/main">
-  <p:cSld>
-    <p:spTree>
-      <p:nvGrpSpPr>
-        <p:cNvPr id="1" name=""/>
-        <p:cNvGrpSpPr/>
-        <p:nvPr/>
-      </p:nvGrpSpPr>
-      <p:grpSpPr>
-        <a:xfrm>
-          <a:off x="0" y="0"/>
-          <a:ext cx="0" cy="0"/>
-          <a:chOff x="0" y="0"/>
-          <a:chExt cx="0" cy="0"/>
-        </a:xfrm>
-      </p:grpSpPr>
-      <p:sp>
-        <p:nvSpPr>
-          <p:cNvPr id="59394" name="Rectangle 2"/>
-          <p:cNvSpPr>
-            <a:spLocks noGrp="1" noChangeArrowheads="1"/>
-          </p:cNvSpPr>
-          <p:nvPr>
-            <p:ph type="title"/>
-          </p:nvPr>
-        </p:nvSpPr>
-        <p:spPr/>
-        <p:txBody>
-          <a:bodyPr/>
-          <a:lstStyle/>
-          <a:p>
-            <a:pPr eaLnBrk="1" hangingPunct="1">
-              <a:defRPr/>
-            </a:pPr>
-            <a:r>
-              <a:rPr lang="zh-CN" altLang="en-US" dirty="0">
-                <a:solidFill>
-                  <a:schemeClr val="tx2">
-                    <a:lumMod val="95000"/>
-                  </a:schemeClr>
-                </a:solidFill>
-                <a:latin typeface="华文彩云" pitchFamily="2" charset="-122"/>
-                <a:ea typeface="华文彩云" pitchFamily="2" charset="-122"/>
-              </a:rPr>
-              <a:t>教学内容</a:t>
-            </a:r>
-            <a:endParaRPr lang="en-US" altLang="zh-CN" dirty="0">
-              <a:solidFill>
-                <a:schemeClr val="tx2">
-                  <a:lumMod val="95000"/>
-                </a:schemeClr>
-              </a:solidFill>
-              <a:latin typeface="华文彩云" pitchFamily="2" charset="-122"/>
-              <a:ea typeface="华文彩云" pitchFamily="2" charset="-122"/>
-            </a:endParaRPr>
-          </a:p>
-        </p:txBody>
-      </p:sp>
-      <p:sp>
-        <p:nvSpPr>
-          <p:cNvPr id="10245" name="Rectangle 3"/>
-          <p:cNvSpPr>
-            <a:spLocks noGrp="1" noChangeArrowheads="1"/>
-          </p:cNvSpPr>
-          <p:nvPr>
-            <p:ph idx="1"/>
-          </p:nvPr>
-        </p:nvSpPr>
-        <p:spPr>
-          <a:xfrm>
-            <a:off x="457200" y="1376772"/>
-            <a:ext cx="6599075" cy="4716053"/>
-          </a:xfrm>
-        </p:spPr>
-        <p:txBody>
-          <a:bodyPr>
-            <a:normAutofit/>
-          </a:bodyPr>
-          <a:lstStyle/>
-          <a:p>
-            <a:r>
-              <a:rPr lang="en-US" altLang="zh-CN" dirty="0"/>
-              <a:t>1. </a:t>
-            </a:r>
-            <a:r>
-              <a:rPr lang="zh-CN" altLang="en-US" dirty="0"/>
-              <a:t>线性表</a:t>
-            </a:r>
-            <a:endParaRPr lang="zh-CN" altLang="zh-CN" dirty="0"/>
-          </a:p>
-          <a:p>
-            <a:r>
-              <a:rPr lang="en-US" altLang="zh-CN" dirty="0"/>
-              <a:t>2. </a:t>
-            </a:r>
-            <a:r>
-              <a:rPr lang="zh-CN" altLang="en-US" dirty="0"/>
-              <a:t>栈和队列</a:t>
-            </a:r>
-            <a:endParaRPr lang="zh-CN" altLang="zh-CN" dirty="0"/>
-          </a:p>
-          <a:p>
-            <a:r>
-              <a:rPr lang="en-US" altLang="zh-CN" dirty="0"/>
-              <a:t>3. </a:t>
-            </a:r>
-            <a:r>
-              <a:rPr lang="zh-CN" altLang="en-US" dirty="0"/>
-              <a:t>字符串</a:t>
-            </a:r>
-            <a:endParaRPr lang="zh-CN" altLang="zh-CN" dirty="0"/>
-          </a:p>
-          <a:p>
-            <a:r>
-              <a:rPr lang="en-US" altLang="zh-CN" dirty="0"/>
-              <a:t>4. </a:t>
-            </a:r>
-            <a:r>
-              <a:rPr lang="zh-CN" altLang="en-US" dirty="0"/>
-              <a:t>数组</a:t>
-            </a:r>
-            <a:endParaRPr lang="zh-CN" altLang="zh-CN" dirty="0"/>
-          </a:p>
-          <a:p>
-            <a:r>
-              <a:rPr lang="en-US" altLang="zh-CN" dirty="0"/>
-              <a:t>5. </a:t>
-            </a:r>
-            <a:r>
-              <a:rPr lang="zh-CN" altLang="en-US" dirty="0"/>
-              <a:t>广义表</a:t>
-            </a:r>
-            <a:endParaRPr lang="zh-CN" altLang="zh-CN" dirty="0"/>
-          </a:p>
-          <a:p>
-            <a:r>
-              <a:rPr lang="en-US" altLang="zh-CN" dirty="0"/>
-              <a:t>6. </a:t>
-            </a:r>
-            <a:r>
-              <a:rPr lang="zh-CN" altLang="en-US" dirty="0"/>
-              <a:t>树和二叉树（</a:t>
-            </a:r>
-            <a:r>
-              <a:rPr lang="en-US" altLang="zh-CN" dirty="0"/>
-              <a:t>1</a:t>
-            </a:r>
-            <a:r>
-              <a:rPr lang="zh-CN" altLang="en-US" dirty="0"/>
-              <a:t>）</a:t>
-            </a:r>
-            <a:endParaRPr lang="zh-CN" altLang="zh-CN" dirty="0"/>
-          </a:p>
-        </p:txBody>
-      </p:sp>
-      <p:sp>
-        <p:nvSpPr>
-          <p:cNvPr id="3" name="日期占位符 2"/>
-          <p:cNvSpPr>
-            <a:spLocks noGrp="1"/>
-          </p:cNvSpPr>
-          <p:nvPr>
-            <p:ph type="dt" sz="half" idx="10"/>
-          </p:nvPr>
-        </p:nvSpPr>
-        <p:spPr/>
-        <p:txBody>
-          <a:bodyPr/>
-          <a:lstStyle/>
-          <a:p>
-            <a:fld id="{DDD56E90-F1B1-4585-AF31-600EB5750DD7}" type="datetime1">
-              <a:rPr lang="zh-CN" altLang="en-US" smtClean="0"/>
-              <a:t>2021/11/29</a:t>
-            </a:fld>
-            <a:endParaRPr lang="en-US" altLang="zh-CN"/>
-          </a:p>
-        </p:txBody>
-      </p:sp>
-      <p:sp>
-        <p:nvSpPr>
-          <p:cNvPr id="5" name="灯片编号占位符 4"/>
-          <p:cNvSpPr>
-            <a:spLocks noGrp="1"/>
-          </p:cNvSpPr>
-          <p:nvPr>
-            <p:ph type="sldNum" sz="quarter" idx="12"/>
-          </p:nvPr>
-        </p:nvSpPr>
-        <p:spPr/>
-        <p:txBody>
-          <a:bodyPr/>
-          <a:lstStyle/>
-          <a:p>
-            <a:fld id="{69178E38-5E45-4FFB-98D0-8EC29F00F76C}" type="slidenum">
-              <a:rPr lang="en-US" altLang="zh-CN" smtClean="0"/>
-              <a:pPr/>
-              <a:t>6</a:t>
-            </a:fld>
-            <a:endParaRPr lang="en-US" altLang="zh-CN"/>
-          </a:p>
-        </p:txBody>
-      </p:sp>
-    </p:spTree>
-    <p:extLst>
-      <p:ext uri="{BB962C8B-B14F-4D97-AF65-F5344CB8AC3E}">
-        <p14:creationId xmlns:p14="http://schemas.microsoft.com/office/powerpoint/2010/main" val="2343845122"/>
+        <p14:creationId xmlns:p14="http://schemas.microsoft.com/office/powerpoint/2010/main" val="2313778262"/>
       </p:ext>
     </p:extLst>
   </p:cSld>
@@ -8820,9 +6952,15 @@
       </p:grpSpPr>
       <p:sp>
         <p:nvSpPr>
-          <p:cNvPr id="61442" name="Rectangle 4"/>
+          <p:cNvPr id="3" name="Title 2">
+            <a:extLst>
+              <a:ext uri="{FF2B5EF4-FFF2-40B4-BE49-F238E27FC236}">
+                <a16:creationId xmlns:a16="http://schemas.microsoft.com/office/drawing/2014/main" id="{27CA5D91-B2AB-7C46-BB38-5653381D6558}"/>
+              </a:ext>
+            </a:extLst>
+          </p:cNvPr>
           <p:cNvSpPr>
-            <a:spLocks noGrp="1" noChangeArrowheads="1"/>
+            <a:spLocks noGrp="1"/>
           </p:cNvSpPr>
           <p:nvPr>
             <p:ph type="title"/>
@@ -8833,224 +6971,47 @@
           <a:bodyPr/>
           <a:lstStyle/>
           <a:p>
-            <a:pPr eaLnBrk="1" hangingPunct="1">
-              <a:defRPr/>
-            </a:pPr>
-            <a:r>
-              <a:rPr lang="zh-CN" altLang="en-US" dirty="0">
-                <a:solidFill>
-                  <a:schemeClr val="tx2">
-                    <a:lumMod val="95000"/>
-                  </a:schemeClr>
-                </a:solidFill>
-                <a:latin typeface="华文彩云" pitchFamily="2" charset="-122"/>
-                <a:ea typeface="华文彩云" pitchFamily="2" charset="-122"/>
-              </a:rPr>
-              <a:t>参考资料</a:t>
-            </a:r>
-            <a:endParaRPr lang="en-US" altLang="zh-CN" dirty="0">
-              <a:solidFill>
-                <a:schemeClr val="tx2">
-                  <a:lumMod val="95000"/>
-                </a:schemeClr>
-              </a:solidFill>
-              <a:latin typeface="华文彩云" pitchFamily="2" charset="-122"/>
-              <a:ea typeface="华文彩云" pitchFamily="2" charset="-122"/>
-            </a:endParaRPr>
+            <a:r>
+              <a:rPr lang="en-CN" dirty="0"/>
+              <a:t>成绩评定</a:t>
+            </a:r>
           </a:p>
         </p:txBody>
       </p:sp>
-      <p:sp>
-        <p:nvSpPr>
-          <p:cNvPr id="30723" name="Rectangle 5"/>
-          <p:cNvSpPr>
-            <a:spLocks noGrp="1" noChangeArrowheads="1"/>
-          </p:cNvSpPr>
-          <p:nvPr>
-            <p:ph idx="1"/>
-          </p:nvPr>
-        </p:nvSpPr>
+      <p:pic>
+        <p:nvPicPr>
+          <p:cNvPr id="5" name="Picture 4">
+            <a:extLst>
+              <a:ext uri="{FF2B5EF4-FFF2-40B4-BE49-F238E27FC236}">
+                <a16:creationId xmlns:a16="http://schemas.microsoft.com/office/drawing/2014/main" id="{7EFE181C-CD2E-2D41-B9C0-73D40B62A2A7}"/>
+              </a:ext>
+            </a:extLst>
+          </p:cNvPr>
+          <p:cNvPicPr>
+            <a:picLocks noChangeAspect="1"/>
+          </p:cNvPicPr>
+          <p:nvPr/>
+        </p:nvPicPr>
+        <p:blipFill>
+          <a:blip r:embed="rId2"/>
+          <a:stretch>
+            <a:fillRect/>
+          </a:stretch>
+        </p:blipFill>
         <p:spPr>
           <a:xfrm>
-            <a:off x="273396" y="1340768"/>
-            <a:ext cx="8619084" cy="4752057"/>
+            <a:off x="395536" y="1484784"/>
+            <a:ext cx="7668852" cy="4161126"/>
           </a:xfrm>
+          <a:prstGeom prst="rect">
+            <a:avLst/>
+          </a:prstGeom>
         </p:spPr>
-        <p:txBody>
-          <a:bodyPr>
-            <a:normAutofit/>
-          </a:bodyPr>
-          <a:lstStyle/>
-          <a:p>
-            <a:r>
-              <a:rPr lang="zh-CN" altLang="en-US" b="1" dirty="0">
-                <a:latin typeface="黑体" pitchFamily="49" charset="-122"/>
-                <a:ea typeface="黑体" pitchFamily="49" charset="-122"/>
-              </a:rPr>
-              <a:t>教材</a:t>
-            </a:r>
-            <a:endParaRPr lang="en-US" altLang="zh-CN" b="1" dirty="0">
-              <a:latin typeface="黑体" pitchFamily="49" charset="-122"/>
-              <a:ea typeface="黑体" pitchFamily="49" charset="-122"/>
-            </a:endParaRPr>
-          </a:p>
-          <a:p>
-            <a:pPr lvl="1"/>
-            <a:r>
-              <a:rPr lang="zh-CN" altLang="en-US" sz="2400" dirty="0"/>
-              <a:t>缪淮扣，沈俊等</a:t>
-            </a:r>
-            <a:r>
-              <a:rPr lang="en-US" altLang="zh-CN" sz="2400" dirty="0"/>
-              <a:t>《</a:t>
-            </a:r>
-            <a:r>
-              <a:rPr lang="zh-CN" altLang="en-US" sz="2400" dirty="0"/>
-              <a:t>数据结构</a:t>
-            </a:r>
-            <a:r>
-              <a:rPr lang="en-US" altLang="zh-CN" sz="2400" dirty="0"/>
-              <a:t>——C++</a:t>
-            </a:r>
-            <a:r>
-              <a:rPr lang="zh-CN" altLang="en-US" sz="2400" dirty="0"/>
-              <a:t>实现（第</a:t>
-            </a:r>
-            <a:r>
-              <a:rPr lang="en-US" altLang="zh-CN" sz="2400" dirty="0"/>
-              <a:t>2</a:t>
-            </a:r>
-            <a:r>
-              <a:rPr lang="zh-CN" altLang="en-US" sz="2400" dirty="0"/>
-              <a:t>版）</a:t>
-            </a:r>
-            <a:r>
-              <a:rPr lang="zh-CN" altLang="zh-CN" sz="2400" dirty="0"/>
-              <a:t>》</a:t>
-            </a:r>
-            <a:endParaRPr lang="en-US" altLang="zh-CN" sz="2400" dirty="0"/>
-          </a:p>
-          <a:p>
-            <a:r>
-              <a:rPr lang="zh-CN" altLang="en-US" b="1" dirty="0">
-                <a:latin typeface="黑体" pitchFamily="49" charset="-122"/>
-                <a:ea typeface="黑体" pitchFamily="49" charset="-122"/>
-              </a:rPr>
-              <a:t>课程资料：</a:t>
-            </a:r>
-            <a:endParaRPr lang="en-US" altLang="zh-CN" b="1" dirty="0">
-              <a:latin typeface="黑体" pitchFamily="49" charset="-122"/>
-              <a:ea typeface="黑体" pitchFamily="49" charset="-122"/>
-            </a:endParaRPr>
-          </a:p>
-          <a:p>
-            <a:pPr lvl="1"/>
-            <a:r>
-              <a:rPr lang="en-US" altLang="zh-CN" sz="2400" dirty="0">
-                <a:latin typeface="Times New Roman" panose="02020603050405020304" pitchFamily="18" charset="0"/>
-                <a:cs typeface="Times New Roman" panose="02020603050405020304" pitchFamily="18" charset="0"/>
-              </a:rPr>
-              <a:t>http</a:t>
-            </a:r>
-            <a:r>
-              <a:rPr lang="en-US" altLang="zh-CN" sz="2400" b="1" dirty="0">
-                <a:latin typeface="Times New Roman" panose="02020603050405020304" pitchFamily="18" charset="0"/>
-                <a:ea typeface="黑体" pitchFamily="49" charset="-122"/>
-                <a:cs typeface="Times New Roman" panose="02020603050405020304" pitchFamily="18" charset="0"/>
-              </a:rPr>
-              <a:t>://www.elearning.shu.edu.cn</a:t>
-            </a:r>
-          </a:p>
-          <a:p>
-            <a:r>
-              <a:rPr lang="zh-CN" altLang="en-US" b="1" dirty="0">
-                <a:latin typeface="黑体" pitchFamily="49" charset="-122"/>
-                <a:ea typeface="黑体" pitchFamily="49" charset="-122"/>
-              </a:rPr>
-              <a:t>参考资料</a:t>
-            </a:r>
-            <a:endParaRPr lang="en-US" altLang="zh-CN" b="1" dirty="0">
-              <a:latin typeface="黑体" pitchFamily="49" charset="-122"/>
-              <a:ea typeface="黑体" pitchFamily="49" charset="-122"/>
-            </a:endParaRPr>
-          </a:p>
-          <a:p>
-            <a:pPr lvl="1"/>
-            <a:r>
-              <a:rPr lang="zh-CN" altLang="en-US" sz="2400" dirty="0"/>
-              <a:t>严蔚敏，吴伟民</a:t>
-            </a:r>
-            <a:r>
-              <a:rPr lang="en-US" altLang="zh-CN" sz="2400" dirty="0"/>
-              <a:t>《</a:t>
-            </a:r>
-            <a:r>
-              <a:rPr lang="zh-CN" altLang="en-US" sz="2400" dirty="0"/>
-              <a:t>数据结构</a:t>
-            </a:r>
-            <a:r>
-              <a:rPr lang="en-US" altLang="zh-CN" sz="2400" dirty="0"/>
-              <a:t>》</a:t>
-            </a:r>
-            <a:endParaRPr lang="zh-CN" altLang="en-US" sz="2400" b="1" dirty="0">
-              <a:latin typeface="Times New Roman" panose="02020603050405020304" pitchFamily="18" charset="0"/>
-              <a:ea typeface="黑体" pitchFamily="49" charset="-122"/>
-              <a:cs typeface="Times New Roman" panose="02020603050405020304" pitchFamily="18" charset="0"/>
-            </a:endParaRPr>
-          </a:p>
-        </p:txBody>
-      </p:sp>
-      <p:sp>
-        <p:nvSpPr>
-          <p:cNvPr id="7" name="日期占位符 6"/>
-          <p:cNvSpPr>
-            <a:spLocks noGrp="1"/>
-          </p:cNvSpPr>
-          <p:nvPr>
-            <p:ph type="dt" sz="half" idx="10"/>
-          </p:nvPr>
-        </p:nvSpPr>
-        <p:spPr/>
-        <p:txBody>
-          <a:bodyPr/>
-          <a:lstStyle/>
-          <a:p>
-            <a:fld id="{4E436779-68F2-49FF-87AD-B75B917E312A}" type="datetime1">
-              <a:rPr lang="zh-CN" altLang="en-US" smtClean="0"/>
-              <a:t>2021/11/29</a:t>
-            </a:fld>
-            <a:endParaRPr lang="en-US" altLang="zh-CN"/>
-          </a:p>
-        </p:txBody>
-      </p:sp>
-      <p:sp>
-        <p:nvSpPr>
-          <p:cNvPr id="9" name="灯片编号占位符 8"/>
-          <p:cNvSpPr>
-            <a:spLocks noGrp="1"/>
-          </p:cNvSpPr>
-          <p:nvPr>
-            <p:ph type="sldNum" sz="quarter" idx="12"/>
-          </p:nvPr>
-        </p:nvSpPr>
-        <p:spPr/>
-        <p:txBody>
-          <a:bodyPr/>
-          <a:lstStyle/>
-          <a:p>
-            <a:fld id="{69178E38-5E45-4FFB-98D0-8EC29F00F76C}" type="slidenum">
-              <a:rPr lang="en-US" altLang="zh-CN" smtClean="0"/>
-              <a:pPr/>
-              <a:t>7</a:t>
-            </a:fld>
-            <a:endParaRPr lang="en-US" altLang="zh-CN"/>
-          </a:p>
-        </p:txBody>
-      </p:sp>
+      </p:pic>
     </p:spTree>
     <p:extLst>
       <p:ext uri="{BB962C8B-B14F-4D97-AF65-F5344CB8AC3E}">
-        <p14:creationId xmlns:p14="http://schemas.microsoft.com/office/powerpoint/2010/main" val="3639588443"/>
+        <p14:creationId xmlns:p14="http://schemas.microsoft.com/office/powerpoint/2010/main" val="3854887803"/>
       </p:ext>
     </p:extLst>
   </p:cSld>
@@ -9082,309 +7043,79 @@
       </p:grpSpPr>
       <p:sp>
         <p:nvSpPr>
-          <p:cNvPr id="67586" name="Rectangle 2"/>
+          <p:cNvPr id="3" name="Title 2">
+            <a:extLst>
+              <a:ext uri="{FF2B5EF4-FFF2-40B4-BE49-F238E27FC236}">
+                <a16:creationId xmlns:a16="http://schemas.microsoft.com/office/drawing/2014/main" id="{BB2E3B26-2A76-A74A-A5E7-3AEBAE774637}"/>
+              </a:ext>
+            </a:extLst>
+          </p:cNvPr>
           <p:cNvSpPr>
-            <a:spLocks noGrp="1" noChangeArrowheads="1"/>
+            <a:spLocks noGrp="1"/>
           </p:cNvSpPr>
           <p:nvPr>
             <p:ph type="title"/>
           </p:nvPr>
         </p:nvSpPr>
-        <p:spPr/>
+        <p:spPr>
+          <a:xfrm>
+            <a:off x="971600" y="224644"/>
+            <a:ext cx="7754987" cy="838245"/>
+          </a:xfrm>
+        </p:spPr>
         <p:txBody>
           <a:bodyPr/>
           <a:lstStyle/>
           <a:p>
-            <a:pPr eaLnBrk="1" hangingPunct="1">
-              <a:defRPr/>
-            </a:pPr>
-            <a:r>
-              <a:rPr lang="zh-CN" altLang="en-US" dirty="0">
-                <a:solidFill>
-                  <a:schemeClr val="tx2">
-                    <a:lumMod val="95000"/>
-                  </a:schemeClr>
-                </a:solidFill>
-                <a:latin typeface="华文彩云" pitchFamily="2" charset="-122"/>
-                <a:ea typeface="华文彩云" pitchFamily="2" charset="-122"/>
-              </a:rPr>
-              <a:t>答疑安排</a:t>
-            </a:r>
-            <a:endParaRPr lang="en-US" altLang="zh-CN" dirty="0">
-              <a:solidFill>
-                <a:schemeClr val="tx2">
-                  <a:lumMod val="95000"/>
-                </a:schemeClr>
-              </a:solidFill>
-              <a:latin typeface="华文彩云" pitchFamily="2" charset="-122"/>
-              <a:ea typeface="华文彩云" pitchFamily="2" charset="-122"/>
-            </a:endParaRPr>
+            <a:r>
+              <a:rPr lang="en-CN" dirty="0"/>
+              <a:t>六</a:t>
+            </a:r>
+            <a:r>
+              <a:rPr lang="zh-CN" altLang="en-US" dirty="0"/>
+              <a:t>、</a:t>
+            </a:r>
+            <a:r>
+              <a:rPr lang="en-CN" dirty="0"/>
+              <a:t>研讨成绩评定</a:t>
+            </a:r>
           </a:p>
         </p:txBody>
       </p:sp>
-      <p:sp>
-        <p:nvSpPr>
-          <p:cNvPr id="46085" name="Rectangle 3"/>
-          <p:cNvSpPr>
-            <a:spLocks noGrp="1" noChangeArrowheads="1"/>
-          </p:cNvSpPr>
-          <p:nvPr>
-            <p:ph idx="1"/>
-          </p:nvPr>
-        </p:nvSpPr>
+      <p:pic>
+        <p:nvPicPr>
+          <p:cNvPr id="6" name="Picture 5">
+            <a:extLst>
+              <a:ext uri="{FF2B5EF4-FFF2-40B4-BE49-F238E27FC236}">
+                <a16:creationId xmlns:a16="http://schemas.microsoft.com/office/drawing/2014/main" id="{F8114102-42E0-7A43-83F0-E29BDED160C5}"/>
+              </a:ext>
+            </a:extLst>
+          </p:cNvPr>
+          <p:cNvPicPr>
+            <a:picLocks noChangeAspect="1"/>
+          </p:cNvPicPr>
+          <p:nvPr/>
+        </p:nvPicPr>
+        <p:blipFill>
+          <a:blip r:embed="rId2"/>
+          <a:stretch>
+            <a:fillRect/>
+          </a:stretch>
+        </p:blipFill>
         <p:spPr>
           <a:xfrm>
-            <a:off x="457200" y="1484313"/>
-            <a:ext cx="7754987" cy="4608512"/>
+            <a:off x="611560" y="1412775"/>
+            <a:ext cx="6912768" cy="4160033"/>
           </a:xfrm>
+          <a:prstGeom prst="rect">
+            <a:avLst/>
+          </a:prstGeom>
         </p:spPr>
-        <p:txBody>
-          <a:bodyPr>
-            <a:normAutofit lnSpcReduction="10000"/>
-          </a:bodyPr>
-          <a:lstStyle/>
-          <a:p>
-            <a:pPr eaLnBrk="1" hangingPunct="1">
-              <a:lnSpc>
-                <a:spcPct val="90000"/>
-              </a:lnSpc>
-              <a:defRPr/>
-            </a:pPr>
-            <a:r>
-              <a:rPr lang="zh-CN" altLang="en-US" dirty="0"/>
-              <a:t>答疑时间</a:t>
-            </a:r>
-            <a:endParaRPr lang="en-US" altLang="zh-CN" dirty="0"/>
-          </a:p>
-          <a:p>
-            <a:pPr lvl="1" eaLnBrk="1" hangingPunct="1">
-              <a:lnSpc>
-                <a:spcPct val="90000"/>
-              </a:lnSpc>
-              <a:defRPr/>
-            </a:pPr>
-            <a:r>
-              <a:rPr lang="zh-CN" altLang="en-US" dirty="0"/>
-              <a:t>时间</a:t>
-            </a:r>
-            <a:r>
-              <a:rPr lang="en-US" altLang="zh-CN" dirty="0"/>
-              <a:t>: </a:t>
-            </a:r>
-            <a:r>
-              <a:rPr lang="zh-CN" altLang="en-US" dirty="0"/>
-              <a:t>周三，</a:t>
-            </a:r>
-            <a:r>
-              <a:rPr lang="en-US" altLang="zh-CN" dirty="0"/>
-              <a:t>3-4</a:t>
-            </a:r>
-            <a:r>
-              <a:rPr lang="zh-CN" altLang="en-US" dirty="0"/>
-              <a:t>课</a:t>
-            </a:r>
-            <a:r>
-              <a:rPr lang="en-US" altLang="zh-CN" dirty="0"/>
-              <a:t> </a:t>
-            </a:r>
-          </a:p>
-          <a:p>
-            <a:pPr lvl="1" algn="just" eaLnBrk="1" hangingPunct="1">
-              <a:lnSpc>
-                <a:spcPct val="90000"/>
-              </a:lnSpc>
-              <a:defRPr/>
-            </a:pPr>
-            <a:r>
-              <a:rPr lang="zh-CN" altLang="en-US" dirty="0"/>
-              <a:t>地点</a:t>
-            </a:r>
-            <a:r>
-              <a:rPr lang="en-US" altLang="zh-CN" dirty="0"/>
-              <a:t>: </a:t>
-            </a:r>
-            <a:r>
-              <a:rPr lang="zh-CN" altLang="en-US" dirty="0"/>
-              <a:t>宝山校区东区计算机大楼</a:t>
-            </a:r>
-            <a:r>
-              <a:rPr lang="en-US" altLang="zh-CN" dirty="0"/>
-              <a:t>823</a:t>
-            </a:r>
-            <a:r>
-              <a:rPr lang="zh-CN" altLang="en-US" dirty="0"/>
-              <a:t>室</a:t>
-            </a:r>
-            <a:endParaRPr lang="en-US" altLang="zh-CN" dirty="0"/>
-          </a:p>
-          <a:p>
-            <a:pPr eaLnBrk="1" hangingPunct="1">
-              <a:lnSpc>
-                <a:spcPct val="90000"/>
-              </a:lnSpc>
-              <a:defRPr/>
-            </a:pPr>
-            <a:r>
-              <a:rPr lang="zh-CN" altLang="en-US" dirty="0"/>
-              <a:t>联系方式</a:t>
-            </a:r>
-            <a:endParaRPr lang="en-US" altLang="zh-CN" dirty="0"/>
-          </a:p>
-          <a:p>
-            <a:pPr lvl="1">
-              <a:lnSpc>
-                <a:spcPct val="90000"/>
-              </a:lnSpc>
-              <a:defRPr/>
-            </a:pPr>
-            <a:r>
-              <a:rPr lang="zh-CN" altLang="en-US" dirty="0"/>
-              <a:t>办公室</a:t>
-            </a:r>
-            <a:r>
-              <a:rPr lang="en-US" altLang="zh-CN" dirty="0"/>
-              <a:t>: </a:t>
-            </a:r>
-          </a:p>
-          <a:p>
-            <a:pPr lvl="2">
-              <a:lnSpc>
-                <a:spcPct val="90000"/>
-              </a:lnSpc>
-              <a:defRPr/>
-            </a:pPr>
-            <a:r>
-              <a:rPr lang="zh-CN" altLang="en-US" dirty="0"/>
-              <a:t>宝山校区东区计算机大楼</a:t>
-            </a:r>
-            <a:r>
-              <a:rPr lang="en-US" altLang="zh-CN" dirty="0"/>
-              <a:t>823</a:t>
-            </a:r>
-            <a:r>
-              <a:rPr lang="zh-CN" altLang="en-US" dirty="0"/>
-              <a:t>室</a:t>
-            </a:r>
-            <a:endParaRPr lang="en-US" altLang="zh-CN" dirty="0"/>
-          </a:p>
-          <a:p>
-            <a:pPr lvl="1">
-              <a:lnSpc>
-                <a:spcPct val="90000"/>
-              </a:lnSpc>
-              <a:defRPr/>
-            </a:pPr>
-            <a:r>
-              <a:rPr lang="en-US" altLang="zh-CN" dirty="0"/>
-              <a:t>TEL: </a:t>
-            </a:r>
-          </a:p>
-          <a:p>
-            <a:pPr lvl="2">
-              <a:lnSpc>
-                <a:spcPct val="90000"/>
-              </a:lnSpc>
-              <a:defRPr/>
-            </a:pPr>
-            <a:r>
-              <a:rPr lang="en-US" altLang="zh-CN" dirty="0"/>
-              <a:t>Office: 021-66135300</a:t>
-            </a:r>
-          </a:p>
-          <a:p>
-            <a:pPr lvl="1">
-              <a:lnSpc>
-                <a:spcPct val="90000"/>
-              </a:lnSpc>
-              <a:defRPr/>
-            </a:pPr>
-            <a:r>
-              <a:rPr lang="en-US" altLang="zh-CN" dirty="0"/>
-              <a:t>E-mail:  </a:t>
-            </a:r>
-          </a:p>
-          <a:p>
-            <a:pPr lvl="2">
-              <a:lnSpc>
-                <a:spcPct val="90000"/>
-              </a:lnSpc>
-              <a:defRPr/>
-            </a:pPr>
-            <a:r>
-              <a:rPr lang="en-US" altLang="zh-CN" dirty="0"/>
-              <a:t>jshen@shu.edu.cn</a:t>
-            </a:r>
-          </a:p>
-          <a:p>
-            <a:pPr lvl="1">
-              <a:lnSpc>
-                <a:spcPct val="90000"/>
-              </a:lnSpc>
-              <a:defRPr/>
-            </a:pPr>
-            <a:endParaRPr lang="zh-CN" altLang="en-US" dirty="0"/>
-          </a:p>
-        </p:txBody>
-      </p:sp>
-      <p:sp>
-        <p:nvSpPr>
-          <p:cNvPr id="3" name="日期占位符 2"/>
-          <p:cNvSpPr>
-            <a:spLocks noGrp="1"/>
-          </p:cNvSpPr>
-          <p:nvPr>
-            <p:ph type="dt" sz="half" idx="10"/>
-          </p:nvPr>
-        </p:nvSpPr>
-        <p:spPr/>
-        <p:txBody>
-          <a:bodyPr/>
-          <a:lstStyle/>
-          <a:p>
-            <a:pPr>
-              <a:defRPr/>
-            </a:pPr>
-            <a:fld id="{BABA9900-E3B2-49D9-ACAE-761B01FFB4EA}" type="datetime1">
-              <a:rPr lang="zh-CN" altLang="en-US" smtClean="0"/>
-              <a:t>2021/11/29</a:t>
-            </a:fld>
-            <a:endParaRPr lang="en-US" altLang="zh-CN"/>
-          </a:p>
-        </p:txBody>
-      </p:sp>
-      <p:sp>
-        <p:nvSpPr>
-          <p:cNvPr id="5" name="灯片编号占位符 4"/>
-          <p:cNvSpPr>
-            <a:spLocks noGrp="1"/>
-          </p:cNvSpPr>
-          <p:nvPr>
-            <p:ph type="sldNum" sz="quarter" idx="12"/>
-          </p:nvPr>
-        </p:nvSpPr>
-        <p:spPr/>
-        <p:txBody>
-          <a:bodyPr/>
-          <a:lstStyle/>
-          <a:p>
-            <a:pPr>
-              <a:defRPr/>
-            </a:pPr>
-            <a:fld id="{69178E38-5E45-4FFB-98D0-8EC29F00F76C}" type="slidenum">
-              <a:rPr lang="en-US" altLang="zh-CN" smtClean="0"/>
-              <a:pPr>
-                <a:defRPr/>
-              </a:pPr>
-              <a:t>8</a:t>
-            </a:fld>
-            <a:endParaRPr lang="en-US" altLang="zh-CN"/>
-          </a:p>
-        </p:txBody>
-      </p:sp>
+      </p:pic>
     </p:spTree>
     <p:extLst>
       <p:ext uri="{BB962C8B-B14F-4D97-AF65-F5344CB8AC3E}">
-        <p14:creationId xmlns:p14="http://schemas.microsoft.com/office/powerpoint/2010/main" val="3128771861"/>
+        <p14:creationId xmlns:p14="http://schemas.microsoft.com/office/powerpoint/2010/main" val="3360191548"/>
       </p:ext>
     </p:extLst>
   </p:cSld>
@@ -9416,7 +7147,7 @@
       </p:grpSpPr>
       <p:sp>
         <p:nvSpPr>
-          <p:cNvPr id="69636" name="Rectangle 2"/>
+          <p:cNvPr id="61442" name="Rectangle 4"/>
           <p:cNvSpPr>
             <a:spLocks noGrp="1" noChangeArrowheads="1"/>
           </p:cNvSpPr>
@@ -9442,7 +7173,7 @@
                 <a:latin typeface="华文彩云" pitchFamily="2" charset="-122"/>
                 <a:ea typeface="华文彩云" pitchFamily="2" charset="-122"/>
               </a:rPr>
-              <a:t>事先声明</a:t>
+              <a:t>参考资料</a:t>
             </a:r>
             <a:endParaRPr lang="en-US" altLang="zh-CN" dirty="0">
               <a:solidFill>
@@ -9458,18 +7189,18 @@
       </p:sp>
       <p:sp>
         <p:nvSpPr>
-          <p:cNvPr id="34821" name="Rectangle 3"/>
+          <p:cNvPr id="30723" name="Rectangle 5"/>
           <p:cNvSpPr>
             <a:spLocks noGrp="1" noChangeArrowheads="1"/>
           </p:cNvSpPr>
           <p:nvPr>
-            <p:ph type="body" idx="1"/>
+            <p:ph idx="1"/>
           </p:nvPr>
         </p:nvSpPr>
         <p:spPr>
           <a:xfrm>
-            <a:off x="143509" y="1556792"/>
-            <a:ext cx="6300700" cy="4608512"/>
+            <a:off x="273396" y="1340768"/>
+            <a:ext cx="8619084" cy="4752057"/>
           </a:xfrm>
         </p:spPr>
         <p:txBody>
@@ -9478,118 +7209,127 @@
           </a:bodyPr>
           <a:lstStyle/>
           <a:p>
-            <a:pPr eaLnBrk="1" hangingPunct="1">
-              <a:lnSpc>
-                <a:spcPct val="90000"/>
-              </a:lnSpc>
-              <a:defRPr/>
-            </a:pPr>
-            <a:r>
-              <a:rPr lang="zh-CN" altLang="en-US" dirty="0"/>
-              <a:t>纪律</a:t>
-            </a:r>
-            <a:endParaRPr lang="en-US" altLang="zh-CN" dirty="0"/>
-          </a:p>
-          <a:p>
-            <a:pPr lvl="1" eaLnBrk="1" hangingPunct="1">
-              <a:lnSpc>
-                <a:spcPct val="90000"/>
-              </a:lnSpc>
-              <a:defRPr/>
-            </a:pPr>
-            <a:r>
-              <a:rPr lang="zh-CN" altLang="en-US" dirty="0"/>
-              <a:t>课堂</a:t>
-            </a:r>
-            <a:r>
-              <a:rPr lang="en-US" altLang="zh-CN" dirty="0"/>
-              <a:t>:</a:t>
-            </a:r>
-          </a:p>
-          <a:p>
-            <a:pPr lvl="2" eaLnBrk="1" hangingPunct="1">
-              <a:lnSpc>
-                <a:spcPct val="90000"/>
-              </a:lnSpc>
-              <a:defRPr/>
-            </a:pPr>
-            <a:r>
-              <a:rPr lang="zh-CN" altLang="en-US" dirty="0"/>
-              <a:t>自学</a:t>
-            </a:r>
-            <a:r>
-              <a:rPr lang="en-US" altLang="zh-CN" dirty="0"/>
-              <a:t>: </a:t>
-            </a:r>
-            <a:r>
-              <a:rPr lang="zh-CN" altLang="en-US" dirty="0"/>
-              <a:t>课程内容多，需要自学</a:t>
-            </a:r>
-            <a:r>
-              <a:rPr lang="en-US" altLang="zh-CN" dirty="0"/>
-              <a:t> </a:t>
-            </a:r>
-          </a:p>
-          <a:p>
-            <a:pPr lvl="2" eaLnBrk="1" hangingPunct="1">
-              <a:lnSpc>
-                <a:spcPct val="90000"/>
-              </a:lnSpc>
-              <a:defRPr/>
-            </a:pPr>
-            <a:r>
-              <a:rPr lang="zh-CN" altLang="en-US" dirty="0"/>
-              <a:t>课堂上不聊天，严肃活泼</a:t>
-            </a:r>
-            <a:endParaRPr lang="en-US" altLang="zh-CN" dirty="0"/>
-          </a:p>
-          <a:p>
-            <a:pPr lvl="2" eaLnBrk="1" hangingPunct="1">
-              <a:lnSpc>
-                <a:spcPct val="90000"/>
-              </a:lnSpc>
-              <a:defRPr/>
-            </a:pPr>
-            <a:r>
-              <a:rPr lang="zh-CN" altLang="en-US" dirty="0"/>
-              <a:t>让手机飞一会儿</a:t>
-            </a:r>
-            <a:endParaRPr lang="en-US" altLang="zh-CN" dirty="0"/>
-          </a:p>
-          <a:p>
-            <a:pPr lvl="1" eaLnBrk="1" hangingPunct="1">
-              <a:lnSpc>
-                <a:spcPct val="90000"/>
-              </a:lnSpc>
-              <a:defRPr/>
-            </a:pPr>
-            <a:r>
-              <a:rPr lang="zh-CN" altLang="en-US" dirty="0"/>
-              <a:t>报告和作业</a:t>
-            </a:r>
-            <a:r>
-              <a:rPr lang="en-US" altLang="zh-CN" dirty="0"/>
-              <a:t>: </a:t>
-            </a:r>
-          </a:p>
-          <a:p>
-            <a:pPr lvl="2">
-              <a:lnSpc>
-                <a:spcPct val="90000"/>
-              </a:lnSpc>
-              <a:defRPr/>
-            </a:pPr>
-            <a:r>
-              <a:rPr lang="zh-CN" altLang="en-US" dirty="0"/>
-              <a:t>可以相互参考，但不能互相抄袭，也不能在网上抄袭</a:t>
-            </a:r>
-            <a:endParaRPr lang="en-US" altLang="zh-CN" dirty="0"/>
+            <a:r>
+              <a:rPr lang="zh-CN" altLang="en-US" b="1" dirty="0">
+                <a:latin typeface="黑体" pitchFamily="49" charset="-122"/>
+                <a:ea typeface="黑体" pitchFamily="49" charset="-122"/>
+              </a:rPr>
+              <a:t>教材</a:t>
+            </a:r>
+            <a:endParaRPr lang="en-US" altLang="zh-CN" b="1" dirty="0">
+              <a:latin typeface="黑体" pitchFamily="49" charset="-122"/>
+              <a:ea typeface="黑体" pitchFamily="49" charset="-122"/>
+            </a:endParaRPr>
+          </a:p>
+          <a:p>
+            <a:pPr lvl="1"/>
+            <a:r>
+              <a:rPr lang="zh-CN" altLang="en-US" sz="2400" dirty="0"/>
+              <a:t>缪淮扣，沈俊等</a:t>
+            </a:r>
+            <a:r>
+              <a:rPr lang="en-US" altLang="zh-CN" sz="2400" dirty="0"/>
+              <a:t>《</a:t>
+            </a:r>
+            <a:r>
+              <a:rPr lang="zh-CN" altLang="en-US" sz="2400" dirty="0"/>
+              <a:t>数据结构</a:t>
+            </a:r>
+            <a:r>
+              <a:rPr lang="en-US" altLang="zh-CN" sz="2400" dirty="0"/>
+              <a:t>——C++</a:t>
+            </a:r>
+            <a:r>
+              <a:rPr lang="zh-CN" altLang="en-US" sz="2400" dirty="0"/>
+              <a:t>实现（第</a:t>
+            </a:r>
+            <a:r>
+              <a:rPr lang="en-US" altLang="zh-CN" sz="2400" dirty="0"/>
+              <a:t>2</a:t>
+            </a:r>
+            <a:r>
+              <a:rPr lang="zh-CN" altLang="en-US" sz="2400" dirty="0"/>
+              <a:t>版）</a:t>
+            </a:r>
+            <a:r>
+              <a:rPr lang="zh-CN" altLang="zh-CN" sz="2400" dirty="0"/>
+              <a:t>》</a:t>
+            </a:r>
+            <a:endParaRPr lang="en-US" altLang="zh-CN" sz="2400" dirty="0"/>
+          </a:p>
+          <a:p>
+            <a:r>
+              <a:rPr lang="zh-CN" altLang="en-US" b="1" dirty="0">
+                <a:latin typeface="黑体" pitchFamily="49" charset="-122"/>
+                <a:ea typeface="黑体" pitchFamily="49" charset="-122"/>
+              </a:rPr>
+              <a:t>课程资料：</a:t>
+            </a:r>
+            <a:endParaRPr lang="en-US" altLang="zh-CN" b="1" dirty="0">
+              <a:latin typeface="黑体" pitchFamily="49" charset="-122"/>
+              <a:ea typeface="黑体" pitchFamily="49" charset="-122"/>
+            </a:endParaRPr>
+          </a:p>
+          <a:p>
+            <a:pPr lvl="1"/>
+            <a:r>
+              <a:rPr lang="en-US" altLang="zh-CN" sz="2400" dirty="0">
+                <a:latin typeface="Times New Roman" panose="02020603050405020304" pitchFamily="18" charset="0"/>
+                <a:cs typeface="Times New Roman" panose="02020603050405020304" pitchFamily="18" charset="0"/>
+              </a:rPr>
+              <a:t>http</a:t>
+            </a:r>
+            <a:r>
+              <a:rPr lang="en-US" altLang="zh-CN" sz="2400" b="1" dirty="0">
+                <a:latin typeface="Times New Roman" panose="02020603050405020304" pitchFamily="18" charset="0"/>
+                <a:ea typeface="黑体" pitchFamily="49" charset="-122"/>
+                <a:cs typeface="Times New Roman" panose="02020603050405020304" pitchFamily="18" charset="0"/>
+              </a:rPr>
+              <a:t>://www.elearning.shu.edu.cn</a:t>
+            </a:r>
+          </a:p>
+          <a:p>
+            <a:r>
+              <a:rPr lang="zh-CN" altLang="en-US" b="1" dirty="0">
+                <a:latin typeface="黑体" pitchFamily="49" charset="-122"/>
+                <a:ea typeface="黑体" pitchFamily="49" charset="-122"/>
+              </a:rPr>
+              <a:t>参考资料</a:t>
+            </a:r>
+            <a:endParaRPr lang="en-US" altLang="zh-CN" b="1" dirty="0">
+              <a:latin typeface="黑体" pitchFamily="49" charset="-122"/>
+              <a:ea typeface="黑体" pitchFamily="49" charset="-122"/>
+            </a:endParaRPr>
+          </a:p>
+          <a:p>
+            <a:pPr lvl="1"/>
+            <a:r>
+              <a:rPr lang="zh-CN" altLang="en-US" sz="2400" dirty="0"/>
+              <a:t>严蔚敏，吴伟民</a:t>
+            </a:r>
+            <a:r>
+              <a:rPr lang="en-US" altLang="zh-CN" sz="2400" dirty="0"/>
+              <a:t>《</a:t>
+            </a:r>
+            <a:r>
+              <a:rPr lang="zh-CN" altLang="en-US" sz="2400" dirty="0"/>
+              <a:t>数据结构</a:t>
+            </a:r>
+            <a:r>
+              <a:rPr lang="en-US" altLang="zh-CN" sz="2400" dirty="0"/>
+              <a:t>》</a:t>
+            </a:r>
+            <a:endParaRPr lang="zh-CN" altLang="en-US" sz="2400" b="1" dirty="0">
+              <a:latin typeface="Times New Roman" panose="02020603050405020304" pitchFamily="18" charset="0"/>
+              <a:ea typeface="黑体" pitchFamily="49" charset="-122"/>
+              <a:cs typeface="Times New Roman" panose="02020603050405020304" pitchFamily="18" charset="0"/>
+            </a:endParaRPr>
           </a:p>
         </p:txBody>
       </p:sp>
       <p:sp>
         <p:nvSpPr>
-          <p:cNvPr id="3" name="日期占位符 2"/>
+          <p:cNvPr id="7" name="日期占位符 6"/>
           <p:cNvSpPr>
             <a:spLocks noGrp="1"/>
           </p:cNvSpPr>
@@ -9602,12 +7342,9 @@
           <a:bodyPr/>
           <a:lstStyle/>
           <a:p>
-            <a:pPr>
-              <a:defRPr/>
-            </a:pPr>
-            <a:fld id="{47518535-A4F2-435E-B81E-CD1F9206C022}" type="datetime1">
+            <a:fld id="{4E436779-68F2-49FF-87AD-B75B917E312A}" type="datetime1">
               <a:rPr lang="zh-CN" altLang="en-US" smtClean="0"/>
-              <a:t>2021/11/29</a:t>
+              <a:t>2021/12/8</a:t>
             </a:fld>
             <a:endParaRPr lang="en-US" altLang="zh-CN"/>
           </a:p>
@@ -9615,7 +7352,7 @@
       </p:sp>
       <p:sp>
         <p:nvSpPr>
-          <p:cNvPr id="5" name="灯片编号占位符 4"/>
+          <p:cNvPr id="9" name="灯片编号占位符 8"/>
           <p:cNvSpPr>
             <a:spLocks noGrp="1"/>
           </p:cNvSpPr>
@@ -9628,14 +7365,9 @@
           <a:bodyPr/>
           <a:lstStyle/>
           <a:p>
-            <a:pPr>
-              <a:defRPr/>
-            </a:pPr>
             <a:fld id="{69178E38-5E45-4FFB-98D0-8EC29F00F76C}" type="slidenum">
               <a:rPr lang="en-US" altLang="zh-CN" smtClean="0"/>
-              <a:pPr>
-                <a:defRPr/>
-              </a:pPr>
+              <a:pPr/>
               <a:t>9</a:t>
             </a:fld>
             <a:endParaRPr lang="en-US" altLang="zh-CN"/>
@@ -9645,7 +7377,7 @@
     </p:spTree>
     <p:extLst>
       <p:ext uri="{BB962C8B-B14F-4D97-AF65-F5344CB8AC3E}">
-        <p14:creationId xmlns:p14="http://schemas.microsoft.com/office/powerpoint/2010/main" val="2575067458"/>
+        <p14:creationId xmlns:p14="http://schemas.microsoft.com/office/powerpoint/2010/main" val="3639588443"/>
       </p:ext>
     </p:extLst>
   </p:cSld>
